--- a/praesi/ima_ms3.pptx
+++ b/praesi/ima_ms3.pptx
@@ -5,19 +5,23 @@
     <p:sldMasterId id="2147483648" r:id="rId1"/>
   </p:sldMasterIdLst>
   <p:notesMasterIdLst>
-    <p:notesMasterId r:id="rId12"/>
+    <p:notesMasterId r:id="rId16"/>
   </p:notesMasterIdLst>
   <p:sldIdLst>
     <p:sldId id="256" r:id="rId2"/>
     <p:sldId id="257" r:id="rId3"/>
-    <p:sldId id="303" r:id="rId4"/>
+    <p:sldId id="304" r:id="rId4"/>
     <p:sldId id="266" r:id="rId5"/>
-    <p:sldId id="304" r:id="rId6"/>
-    <p:sldId id="302" r:id="rId7"/>
-    <p:sldId id="300" r:id="rId8"/>
-    <p:sldId id="301" r:id="rId9"/>
-    <p:sldId id="305" r:id="rId10"/>
-    <p:sldId id="268" r:id="rId11"/>
+    <p:sldId id="301" r:id="rId6"/>
+    <p:sldId id="306" r:id="rId7"/>
+    <p:sldId id="307" r:id="rId8"/>
+    <p:sldId id="309" r:id="rId9"/>
+    <p:sldId id="310" r:id="rId10"/>
+    <p:sldId id="311" r:id="rId11"/>
+    <p:sldId id="302" r:id="rId12"/>
+    <p:sldId id="300" r:id="rId13"/>
+    <p:sldId id="305" r:id="rId14"/>
+    <p:sldId id="268" r:id="rId15"/>
   </p:sldIdLst>
   <p:sldSz cx="12192000" cy="6858000"/>
   <p:notesSz cx="6858000" cy="9144000"/>
@@ -206,7 +210,7 @@
           <a:p>
             <a:fld id="{6B1316E6-4180-4074-8F80-3242FE19C430}" type="datetimeFigureOut">
               <a:rPr lang="de-DE" smtClean="0"/>
-              <a:t>02.07.24</a:t>
+              <a:t>03.07.24</a:t>
             </a:fld>
             <a:endParaRPr lang="de-DE"/>
           </a:p>
@@ -643,18 +647,6 @@
           <a:bodyPr/>
           <a:lstStyle/>
           <a:p>
-            <a:r>
-              <a:rPr lang="en-US" dirty="0"/>
-              <a:t>Alle </a:t>
-            </a:r>
-            <a:r>
-              <a:rPr lang="en-US" dirty="0" err="1"/>
-              <a:t>zusammen</a:t>
-            </a:r>
-            <a:r>
-              <a:rPr lang="en-US" dirty="0"/>
-              <a:t>!</a:t>
-            </a:r>
             <a:endParaRPr lang="de-DE" dirty="0"/>
           </a:p>
         </p:txBody>
@@ -677,6 +669,354 @@
             <a:fld id="{7803E4BD-8807-4F34-8608-B817E52C96DA}" type="slidenum">
               <a:rPr lang="de-DE" smtClean="0"/>
               <a:t>10</a:t>
+            </a:fld>
+            <a:endParaRPr lang="de-DE"/>
+          </a:p>
+        </p:txBody>
+      </p:sp>
+    </p:spTree>
+    <p:extLst>
+      <p:ext uri="{BB962C8B-B14F-4D97-AF65-F5344CB8AC3E}">
+        <p14:creationId xmlns:p14="http://schemas.microsoft.com/office/powerpoint/2010/main" val="2259933750"/>
+      </p:ext>
+    </p:extLst>
+  </p:cSld>
+  <p:clrMapOvr>
+    <a:masterClrMapping/>
+  </p:clrMapOvr>
+</p:notes>
+</file>
+
+<file path=ppt/notesSlides/notesSlide11.xml><?xml version="1.0" encoding="utf-8"?>
+<p:notes xmlns:a="http://schemas.openxmlformats.org/drawingml/2006/main" xmlns:r="http://schemas.openxmlformats.org/officeDocument/2006/relationships" xmlns:p="http://schemas.openxmlformats.org/presentationml/2006/main">
+  <p:cSld>
+    <p:spTree>
+      <p:nvGrpSpPr>
+        <p:cNvPr id="1" name=""/>
+        <p:cNvGrpSpPr/>
+        <p:nvPr/>
+      </p:nvGrpSpPr>
+      <p:grpSpPr>
+        <a:xfrm>
+          <a:off x="0" y="0"/>
+          <a:ext cx="0" cy="0"/>
+          <a:chOff x="0" y="0"/>
+          <a:chExt cx="0" cy="0"/>
+        </a:xfrm>
+      </p:grpSpPr>
+      <p:sp>
+        <p:nvSpPr>
+          <p:cNvPr id="2" name="Folienbildplatzhalter 1"/>
+          <p:cNvSpPr>
+            <a:spLocks noGrp="1" noRot="1" noChangeAspect="1"/>
+          </p:cNvSpPr>
+          <p:nvPr>
+            <p:ph type="sldImg"/>
+          </p:nvPr>
+        </p:nvSpPr>
+        <p:spPr/>
+      </p:sp>
+      <p:sp>
+        <p:nvSpPr>
+          <p:cNvPr id="3" name="Notizenplatzhalter 2"/>
+          <p:cNvSpPr>
+            <a:spLocks noGrp="1"/>
+          </p:cNvSpPr>
+          <p:nvPr>
+            <p:ph type="body" idx="1"/>
+          </p:nvPr>
+        </p:nvSpPr>
+        <p:spPr/>
+        <p:txBody>
+          <a:bodyPr/>
+          <a:lstStyle/>
+          <a:p>
+            <a:endParaRPr lang="de-DE" dirty="0"/>
+          </a:p>
+        </p:txBody>
+      </p:sp>
+      <p:sp>
+        <p:nvSpPr>
+          <p:cNvPr id="4" name="Foliennummernplatzhalter 3"/>
+          <p:cNvSpPr>
+            <a:spLocks noGrp="1"/>
+          </p:cNvSpPr>
+          <p:nvPr>
+            <p:ph type="sldNum" sz="quarter" idx="5"/>
+          </p:nvPr>
+        </p:nvSpPr>
+        <p:spPr/>
+        <p:txBody>
+          <a:bodyPr/>
+          <a:lstStyle/>
+          <a:p>
+            <a:fld id="{7803E4BD-8807-4F34-8608-B817E52C96DA}" type="slidenum">
+              <a:rPr lang="de-DE" smtClean="0"/>
+              <a:t>11</a:t>
+            </a:fld>
+            <a:endParaRPr lang="de-DE"/>
+          </a:p>
+        </p:txBody>
+      </p:sp>
+    </p:spTree>
+    <p:extLst>
+      <p:ext uri="{BB962C8B-B14F-4D97-AF65-F5344CB8AC3E}">
+        <p14:creationId xmlns:p14="http://schemas.microsoft.com/office/powerpoint/2010/main" val="1689837767"/>
+      </p:ext>
+    </p:extLst>
+  </p:cSld>
+  <p:clrMapOvr>
+    <a:masterClrMapping/>
+  </p:clrMapOvr>
+</p:notes>
+</file>
+
+<file path=ppt/notesSlides/notesSlide12.xml><?xml version="1.0" encoding="utf-8"?>
+<p:notes xmlns:a="http://schemas.openxmlformats.org/drawingml/2006/main" xmlns:r="http://schemas.openxmlformats.org/officeDocument/2006/relationships" xmlns:p="http://schemas.openxmlformats.org/presentationml/2006/main">
+  <p:cSld>
+    <p:spTree>
+      <p:nvGrpSpPr>
+        <p:cNvPr id="1" name=""/>
+        <p:cNvGrpSpPr/>
+        <p:nvPr/>
+      </p:nvGrpSpPr>
+      <p:grpSpPr>
+        <a:xfrm>
+          <a:off x="0" y="0"/>
+          <a:ext cx="0" cy="0"/>
+          <a:chOff x="0" y="0"/>
+          <a:chExt cx="0" cy="0"/>
+        </a:xfrm>
+      </p:grpSpPr>
+      <p:sp>
+        <p:nvSpPr>
+          <p:cNvPr id="2" name="Folienbildplatzhalter 1"/>
+          <p:cNvSpPr>
+            <a:spLocks noGrp="1" noRot="1" noChangeAspect="1"/>
+          </p:cNvSpPr>
+          <p:nvPr>
+            <p:ph type="sldImg"/>
+          </p:nvPr>
+        </p:nvSpPr>
+        <p:spPr/>
+      </p:sp>
+      <p:sp>
+        <p:nvSpPr>
+          <p:cNvPr id="3" name="Notizenplatzhalter 2"/>
+          <p:cNvSpPr>
+            <a:spLocks noGrp="1"/>
+          </p:cNvSpPr>
+          <p:nvPr>
+            <p:ph type="body" idx="1"/>
+          </p:nvPr>
+        </p:nvSpPr>
+        <p:spPr/>
+        <p:txBody>
+          <a:bodyPr/>
+          <a:lstStyle/>
+          <a:p>
+            <a:endParaRPr lang="de-DE" dirty="0"/>
+          </a:p>
+        </p:txBody>
+      </p:sp>
+      <p:sp>
+        <p:nvSpPr>
+          <p:cNvPr id="4" name="Foliennummernplatzhalter 3"/>
+          <p:cNvSpPr>
+            <a:spLocks noGrp="1"/>
+          </p:cNvSpPr>
+          <p:nvPr>
+            <p:ph type="sldNum" sz="quarter" idx="5"/>
+          </p:nvPr>
+        </p:nvSpPr>
+        <p:spPr/>
+        <p:txBody>
+          <a:bodyPr/>
+          <a:lstStyle/>
+          <a:p>
+            <a:fld id="{7803E4BD-8807-4F34-8608-B817E52C96DA}" type="slidenum">
+              <a:rPr lang="de-DE" smtClean="0"/>
+              <a:t>12</a:t>
+            </a:fld>
+            <a:endParaRPr lang="de-DE"/>
+          </a:p>
+        </p:txBody>
+      </p:sp>
+    </p:spTree>
+    <p:extLst>
+      <p:ext uri="{BB962C8B-B14F-4D97-AF65-F5344CB8AC3E}">
+        <p14:creationId xmlns:p14="http://schemas.microsoft.com/office/powerpoint/2010/main" val="3671169181"/>
+      </p:ext>
+    </p:extLst>
+  </p:cSld>
+  <p:clrMapOvr>
+    <a:masterClrMapping/>
+  </p:clrMapOvr>
+</p:notes>
+</file>
+
+<file path=ppt/notesSlides/notesSlide13.xml><?xml version="1.0" encoding="utf-8"?>
+<p:notes xmlns:a="http://schemas.openxmlformats.org/drawingml/2006/main" xmlns:r="http://schemas.openxmlformats.org/officeDocument/2006/relationships" xmlns:p="http://schemas.openxmlformats.org/presentationml/2006/main">
+  <p:cSld>
+    <p:spTree>
+      <p:nvGrpSpPr>
+        <p:cNvPr id="1" name=""/>
+        <p:cNvGrpSpPr/>
+        <p:nvPr/>
+      </p:nvGrpSpPr>
+      <p:grpSpPr>
+        <a:xfrm>
+          <a:off x="0" y="0"/>
+          <a:ext cx="0" cy="0"/>
+          <a:chOff x="0" y="0"/>
+          <a:chExt cx="0" cy="0"/>
+        </a:xfrm>
+      </p:grpSpPr>
+      <p:sp>
+        <p:nvSpPr>
+          <p:cNvPr id="2" name="Folienbildplatzhalter 1"/>
+          <p:cNvSpPr>
+            <a:spLocks noGrp="1" noRot="1" noChangeAspect="1"/>
+          </p:cNvSpPr>
+          <p:nvPr>
+            <p:ph type="sldImg"/>
+          </p:nvPr>
+        </p:nvSpPr>
+        <p:spPr/>
+      </p:sp>
+      <p:sp>
+        <p:nvSpPr>
+          <p:cNvPr id="3" name="Notizenplatzhalter 2"/>
+          <p:cNvSpPr>
+            <a:spLocks noGrp="1"/>
+          </p:cNvSpPr>
+          <p:nvPr>
+            <p:ph type="body" idx="1"/>
+          </p:nvPr>
+        </p:nvSpPr>
+        <p:spPr/>
+        <p:txBody>
+          <a:bodyPr/>
+          <a:lstStyle/>
+          <a:p>
+            <a:endParaRPr lang="de-DE" dirty="0"/>
+          </a:p>
+        </p:txBody>
+      </p:sp>
+      <p:sp>
+        <p:nvSpPr>
+          <p:cNvPr id="4" name="Foliennummernplatzhalter 3"/>
+          <p:cNvSpPr>
+            <a:spLocks noGrp="1"/>
+          </p:cNvSpPr>
+          <p:nvPr>
+            <p:ph type="sldNum" sz="quarter" idx="5"/>
+          </p:nvPr>
+        </p:nvSpPr>
+        <p:spPr/>
+        <p:txBody>
+          <a:bodyPr/>
+          <a:lstStyle/>
+          <a:p>
+            <a:fld id="{7803E4BD-8807-4F34-8608-B817E52C96DA}" type="slidenum">
+              <a:rPr lang="de-DE" smtClean="0"/>
+              <a:t>13</a:t>
+            </a:fld>
+            <a:endParaRPr lang="de-DE"/>
+          </a:p>
+        </p:txBody>
+      </p:sp>
+    </p:spTree>
+    <p:extLst>
+      <p:ext uri="{BB962C8B-B14F-4D97-AF65-F5344CB8AC3E}">
+        <p14:creationId xmlns:p14="http://schemas.microsoft.com/office/powerpoint/2010/main" val="976725896"/>
+      </p:ext>
+    </p:extLst>
+  </p:cSld>
+  <p:clrMapOvr>
+    <a:masterClrMapping/>
+  </p:clrMapOvr>
+</p:notes>
+</file>
+
+<file path=ppt/notesSlides/notesSlide14.xml><?xml version="1.0" encoding="utf-8"?>
+<p:notes xmlns:a="http://schemas.openxmlformats.org/drawingml/2006/main" xmlns:r="http://schemas.openxmlformats.org/officeDocument/2006/relationships" xmlns:p="http://schemas.openxmlformats.org/presentationml/2006/main">
+  <p:cSld>
+    <p:spTree>
+      <p:nvGrpSpPr>
+        <p:cNvPr id="1" name=""/>
+        <p:cNvGrpSpPr/>
+        <p:nvPr/>
+      </p:nvGrpSpPr>
+      <p:grpSpPr>
+        <a:xfrm>
+          <a:off x="0" y="0"/>
+          <a:ext cx="0" cy="0"/>
+          <a:chOff x="0" y="0"/>
+          <a:chExt cx="0" cy="0"/>
+        </a:xfrm>
+      </p:grpSpPr>
+      <p:sp>
+        <p:nvSpPr>
+          <p:cNvPr id="2" name="Folienbildplatzhalter 1"/>
+          <p:cNvSpPr>
+            <a:spLocks noGrp="1" noRot="1" noChangeAspect="1"/>
+          </p:cNvSpPr>
+          <p:nvPr>
+            <p:ph type="sldImg"/>
+          </p:nvPr>
+        </p:nvSpPr>
+        <p:spPr/>
+      </p:sp>
+      <p:sp>
+        <p:nvSpPr>
+          <p:cNvPr id="3" name="Notizenplatzhalter 2"/>
+          <p:cNvSpPr>
+            <a:spLocks noGrp="1"/>
+          </p:cNvSpPr>
+          <p:nvPr>
+            <p:ph type="body" idx="1"/>
+          </p:nvPr>
+        </p:nvSpPr>
+        <p:spPr/>
+        <p:txBody>
+          <a:bodyPr/>
+          <a:lstStyle/>
+          <a:p>
+            <a:r>
+              <a:rPr lang="en-US" dirty="0"/>
+              <a:t>Alle </a:t>
+            </a:r>
+            <a:r>
+              <a:rPr lang="en-US" dirty="0" err="1"/>
+              <a:t>zusammen</a:t>
+            </a:r>
+            <a:r>
+              <a:rPr lang="en-US" dirty="0"/>
+              <a:t>!</a:t>
+            </a:r>
+            <a:endParaRPr lang="de-DE" dirty="0"/>
+          </a:p>
+        </p:txBody>
+      </p:sp>
+      <p:sp>
+        <p:nvSpPr>
+          <p:cNvPr id="4" name="Foliennummernplatzhalter 3"/>
+          <p:cNvSpPr>
+            <a:spLocks noGrp="1"/>
+          </p:cNvSpPr>
+          <p:nvPr>
+            <p:ph type="sldNum" sz="quarter" idx="5"/>
+          </p:nvPr>
+        </p:nvSpPr>
+        <p:spPr/>
+        <p:txBody>
+          <a:bodyPr/>
+          <a:lstStyle/>
+          <a:p>
+            <a:fld id="{7803E4BD-8807-4F34-8608-B817E52C96DA}" type="slidenum">
+              <a:rPr lang="de-DE" smtClean="0"/>
+              <a:t>14</a:t>
             </a:fld>
             <a:endParaRPr lang="de-DE"/>
           </a:p>
@@ -986,7 +1326,7 @@
     </p:spTree>
     <p:extLst>
       <p:ext uri="{BB962C8B-B14F-4D97-AF65-F5344CB8AC3E}">
-        <p14:creationId xmlns:p14="http://schemas.microsoft.com/office/powerpoint/2010/main" val="4064367949"/>
+        <p14:creationId xmlns:p14="http://schemas.microsoft.com/office/powerpoint/2010/main" val="2685664480"/>
       </p:ext>
     </p:extLst>
   </p:cSld>
@@ -1174,7 +1514,7 @@
     </p:spTree>
     <p:extLst>
       <p:ext uri="{BB962C8B-B14F-4D97-AF65-F5344CB8AC3E}">
-        <p14:creationId xmlns:p14="http://schemas.microsoft.com/office/powerpoint/2010/main" val="2685664480"/>
+        <p14:creationId xmlns:p14="http://schemas.microsoft.com/office/powerpoint/2010/main" val="1840480288"/>
       </p:ext>
     </p:extLst>
   </p:cSld>
@@ -1258,7 +1598,7 @@
     </p:spTree>
     <p:extLst>
       <p:ext uri="{BB962C8B-B14F-4D97-AF65-F5344CB8AC3E}">
-        <p14:creationId xmlns:p14="http://schemas.microsoft.com/office/powerpoint/2010/main" val="1689837767"/>
+        <p14:creationId xmlns:p14="http://schemas.microsoft.com/office/powerpoint/2010/main" val="348092895"/>
       </p:ext>
     </p:extLst>
   </p:cSld>
@@ -1342,7 +1682,7 @@
     </p:spTree>
     <p:extLst>
       <p:ext uri="{BB962C8B-B14F-4D97-AF65-F5344CB8AC3E}">
-        <p14:creationId xmlns:p14="http://schemas.microsoft.com/office/powerpoint/2010/main" val="3671169181"/>
+        <p14:creationId xmlns:p14="http://schemas.microsoft.com/office/powerpoint/2010/main" val="353624167"/>
       </p:ext>
     </p:extLst>
   </p:cSld>
@@ -1426,7 +1766,7 @@
     </p:spTree>
     <p:extLst>
       <p:ext uri="{BB962C8B-B14F-4D97-AF65-F5344CB8AC3E}">
-        <p14:creationId xmlns:p14="http://schemas.microsoft.com/office/powerpoint/2010/main" val="1840480288"/>
+        <p14:creationId xmlns:p14="http://schemas.microsoft.com/office/powerpoint/2010/main" val="517940186"/>
       </p:ext>
     </p:extLst>
   </p:cSld>
@@ -1510,7 +1850,7 @@
     </p:spTree>
     <p:extLst>
       <p:ext uri="{BB962C8B-B14F-4D97-AF65-F5344CB8AC3E}">
-        <p14:creationId xmlns:p14="http://schemas.microsoft.com/office/powerpoint/2010/main" val="976725896"/>
+        <p14:creationId xmlns:p14="http://schemas.microsoft.com/office/powerpoint/2010/main" val="3994668559"/>
       </p:ext>
     </p:extLst>
   </p:cSld>
@@ -1771,7 +2111,7 @@
           <a:p>
             <a:fld id="{4A3510F1-04F0-4B19-B61D-ABC72299FCCB}" type="datetimeFigureOut">
               <a:rPr lang="de-DE" smtClean="0"/>
-              <a:t>02.07.24</a:t>
+              <a:t>03.07.24</a:t>
             </a:fld>
             <a:endParaRPr lang="de-DE"/>
           </a:p>
@@ -1969,7 +2309,7 @@
           <a:p>
             <a:fld id="{4A3510F1-04F0-4B19-B61D-ABC72299FCCB}" type="datetimeFigureOut">
               <a:rPr lang="de-DE" smtClean="0"/>
-              <a:t>02.07.24</a:t>
+              <a:t>03.07.24</a:t>
             </a:fld>
             <a:endParaRPr lang="de-DE"/>
           </a:p>
@@ -2177,7 +2517,7 @@
           <a:p>
             <a:fld id="{4A3510F1-04F0-4B19-B61D-ABC72299FCCB}" type="datetimeFigureOut">
               <a:rPr lang="de-DE" smtClean="0"/>
-              <a:t>02.07.24</a:t>
+              <a:t>03.07.24</a:t>
             </a:fld>
             <a:endParaRPr lang="de-DE"/>
           </a:p>
@@ -2375,7 +2715,7 @@
           <a:p>
             <a:fld id="{4A3510F1-04F0-4B19-B61D-ABC72299FCCB}" type="datetimeFigureOut">
               <a:rPr lang="de-DE" smtClean="0"/>
-              <a:t>02.07.24</a:t>
+              <a:t>03.07.24</a:t>
             </a:fld>
             <a:endParaRPr lang="de-DE"/>
           </a:p>
@@ -2657,7 +2997,7 @@
             <a:fld id="{4A3510F1-04F0-4B19-B61D-ABC72299FCCB}" type="datetimeFigureOut">
               <a:rPr lang="de-DE" smtClean="0"/>
               <a:pPr/>
-              <a:t>02.07.24</a:t>
+              <a:t>03.07.24</a:t>
             </a:fld>
             <a:endParaRPr lang="de-DE" dirty="0"/>
           </a:p>
@@ -2935,7 +3275,7 @@
           <a:p>
             <a:fld id="{4A3510F1-04F0-4B19-B61D-ABC72299FCCB}" type="datetimeFigureOut">
               <a:rPr lang="de-DE" smtClean="0"/>
-              <a:t>02.07.24</a:t>
+              <a:t>03.07.24</a:t>
             </a:fld>
             <a:endParaRPr lang="de-DE"/>
           </a:p>
@@ -3347,7 +3687,7 @@
           <a:p>
             <a:fld id="{4A3510F1-04F0-4B19-B61D-ABC72299FCCB}" type="datetimeFigureOut">
               <a:rPr lang="de-DE" smtClean="0"/>
-              <a:t>02.07.24</a:t>
+              <a:t>03.07.24</a:t>
             </a:fld>
             <a:endParaRPr lang="de-DE"/>
           </a:p>
@@ -3488,7 +3828,7 @@
           <a:p>
             <a:fld id="{4A3510F1-04F0-4B19-B61D-ABC72299FCCB}" type="datetimeFigureOut">
               <a:rPr lang="de-DE" smtClean="0"/>
-              <a:t>02.07.24</a:t>
+              <a:t>03.07.24</a:t>
             </a:fld>
             <a:endParaRPr lang="de-DE"/>
           </a:p>
@@ -3601,7 +3941,7 @@
           <a:p>
             <a:fld id="{4A3510F1-04F0-4B19-B61D-ABC72299FCCB}" type="datetimeFigureOut">
               <a:rPr lang="de-DE" smtClean="0"/>
-              <a:t>02.07.24</a:t>
+              <a:t>03.07.24</a:t>
             </a:fld>
             <a:endParaRPr lang="de-DE"/>
           </a:p>
@@ -3912,7 +4252,7 @@
           <a:p>
             <a:fld id="{4A3510F1-04F0-4B19-B61D-ABC72299FCCB}" type="datetimeFigureOut">
               <a:rPr lang="de-DE" smtClean="0"/>
-              <a:t>02.07.24</a:t>
+              <a:t>03.07.24</a:t>
             </a:fld>
             <a:endParaRPr lang="de-DE"/>
           </a:p>
@@ -4200,7 +4540,7 @@
           <a:p>
             <a:fld id="{4A3510F1-04F0-4B19-B61D-ABC72299FCCB}" type="datetimeFigureOut">
               <a:rPr lang="de-DE" smtClean="0"/>
-              <a:t>02.07.24</a:t>
+              <a:t>03.07.24</a:t>
             </a:fld>
             <a:endParaRPr lang="de-DE"/>
           </a:p>
@@ -4483,7 +4823,7 @@
             <a:fld id="{4A3510F1-04F0-4B19-B61D-ABC72299FCCB}" type="datetimeFigureOut">
               <a:rPr lang="de-DE" smtClean="0"/>
               <a:pPr/>
-              <a:t>02.07.24</a:t>
+              <a:t>03.07.24</a:t>
             </a:fld>
             <a:endParaRPr lang="de-DE" dirty="0"/>
           </a:p>
@@ -5224,10 +5564,10 @@
       </p:grpSpPr>
       <p:sp>
         <p:nvSpPr>
-          <p:cNvPr id="2" name="Titel 1">
-            <a:extLst>
-              <a:ext uri="{FF2B5EF4-FFF2-40B4-BE49-F238E27FC236}">
-                <a16:creationId xmlns:a16="http://schemas.microsoft.com/office/drawing/2014/main" id="{BD4746A3-04B7-BC14-3A69-90A2123A06C7}"/>
+          <p:cNvPr id="10" name="Titel 9">
+            <a:extLst>
+              <a:ext uri="{FF2B5EF4-FFF2-40B4-BE49-F238E27FC236}">
+                <a16:creationId xmlns:a16="http://schemas.microsoft.com/office/drawing/2014/main" id="{C83F7908-01E5-282B-8937-9973E9F708E4}"/>
               </a:ext>
             </a:extLst>
           </p:cNvPr>
@@ -5236,57 +5576,127 @@
           </p:cNvSpPr>
           <p:nvPr>
             <p:ph type="title"/>
+          </p:nvPr>
+        </p:nvSpPr>
+        <p:spPr/>
+        <p:txBody>
+          <a:bodyPr>
+            <a:normAutofit/>
+          </a:bodyPr>
+          <a:lstStyle/>
+          <a:p>
+            <a:r>
+              <a:rPr lang="en-US" dirty="0" err="1"/>
+              <a:t>Neuronales</a:t>
+            </a:r>
+            <a:r>
+              <a:rPr lang="en-US" dirty="0"/>
+              <a:t> </a:t>
+            </a:r>
+            <a:r>
+              <a:rPr lang="en-US" dirty="0" err="1"/>
+              <a:t>Netz</a:t>
+            </a:r>
+            <a:r>
+              <a:rPr lang="en-US" dirty="0"/>
+              <a:t> - </a:t>
+            </a:r>
+            <a:r>
+              <a:rPr lang="en-US" dirty="0" err="1"/>
+              <a:t>Ergebnisse</a:t>
+            </a:r>
+            <a:endParaRPr lang="de-DE" dirty="0"/>
+          </a:p>
+        </p:txBody>
+      </p:sp>
+      <p:sp>
+        <p:nvSpPr>
+          <p:cNvPr id="3" name="Inhaltsplatzhalter 2">
+            <a:extLst>
+              <a:ext uri="{FF2B5EF4-FFF2-40B4-BE49-F238E27FC236}">
+                <a16:creationId xmlns:a16="http://schemas.microsoft.com/office/drawing/2014/main" id="{68EDEB2C-8309-B837-9B1F-E2E14DB75030}"/>
+              </a:ext>
+            </a:extLst>
+          </p:cNvPr>
+          <p:cNvSpPr>
+            <a:spLocks noGrp="1"/>
+          </p:cNvSpPr>
+          <p:nvPr>
+            <p:ph idx="1"/>
           </p:nvPr>
         </p:nvSpPr>
         <p:spPr>
           <a:xfrm>
-            <a:off x="838200" y="365125"/>
-            <a:ext cx="10515600" cy="5483225"/>
+            <a:off x="1004479" y="2092324"/>
+            <a:ext cx="9701621" cy="3752851"/>
           </a:xfrm>
         </p:spPr>
         <p:txBody>
-          <a:bodyPr/>
-          <a:lstStyle/>
+          <a:bodyPr>
+            <a:normAutofit/>
+          </a:bodyPr>
+          <a:lstStyle/>
+          <a:p>
+            <a:endParaRPr lang="de-DE" dirty="0"/>
+          </a:p>
+          <a:p>
+            <a:pPr lvl="1" algn="ctr"/>
+            <a:endParaRPr lang="de-DE" dirty="0"/>
+          </a:p>
           <a:p>
             <a:pPr algn="ctr"/>
-            <a:r>
-              <a:rPr lang="en-US" dirty="0" err="1"/>
-              <a:t>Vielen</a:t>
-            </a:r>
-            <a:r>
-              <a:rPr lang="en-US" dirty="0"/>
-              <a:t> Dank für </a:t>
-            </a:r>
-            <a:r>
-              <a:rPr lang="en-US" dirty="0" err="1"/>
-              <a:t>eure</a:t>
-            </a:r>
-            <a:r>
-              <a:rPr lang="en-US" dirty="0"/>
-              <a:t> </a:t>
-            </a:r>
-            <a:r>
-              <a:rPr lang="en-US" dirty="0" err="1"/>
-              <a:t>Aufmerksamkeit</a:t>
-            </a:r>
-            <a:br>
-              <a:rPr lang="en-US" dirty="0"/>
-            </a:br>
-            <a:br>
-              <a:rPr lang="en-US" dirty="0"/>
-            </a:br>
-            <a:r>
-              <a:rPr lang="en-US" sz="4400" dirty="0"/>
-              <a:t>Happy Patching!</a:t>
-            </a:r>
-            <a:endParaRPr lang="de-DE" sz="4400" dirty="0"/>
+            <a:endParaRPr lang="de-DE" dirty="0"/>
+          </a:p>
+          <a:p>
+            <a:pPr lvl="1" algn="ctr"/>
+            <a:endParaRPr lang="de-DE" dirty="0"/>
+          </a:p>
+          <a:p>
+            <a:pPr lvl="1" algn="ctr"/>
+            <a:endParaRPr lang="de-DE" dirty="0"/>
+          </a:p>
+          <a:p>
+            <a:pPr algn="ctr"/>
+            <a:endParaRPr lang="de-DE" dirty="0"/>
+          </a:p>
+        </p:txBody>
+      </p:sp>
+      <p:sp>
+        <p:nvSpPr>
+          <p:cNvPr id="2" name="Textfeld 1">
+            <a:extLst>
+              <a:ext uri="{FF2B5EF4-FFF2-40B4-BE49-F238E27FC236}">
+                <a16:creationId xmlns:a16="http://schemas.microsoft.com/office/drawing/2014/main" id="{1E877FBE-FD81-8292-9E60-8173DA0CFC19}"/>
+              </a:ext>
+            </a:extLst>
+          </p:cNvPr>
+          <p:cNvSpPr txBox="1"/>
+          <p:nvPr/>
+        </p:nvSpPr>
+        <p:spPr>
+          <a:xfrm>
+            <a:off x="2708694" y="3053751"/>
+            <a:ext cx="184731" cy="369332"/>
+          </a:xfrm>
+          <a:prstGeom prst="rect">
+            <a:avLst/>
+          </a:prstGeom>
+          <a:noFill/>
+        </p:spPr>
+        <p:txBody>
+          <a:bodyPr wrap="none" rtlCol="0">
+            <a:spAutoFit/>
+          </a:bodyPr>
+          <a:lstStyle/>
+          <a:p>
+            <a:endParaRPr lang="de-DE" dirty="0"/>
           </a:p>
         </p:txBody>
       </p:sp>
     </p:spTree>
     <p:extLst>
       <p:ext uri="{BB962C8B-B14F-4D97-AF65-F5344CB8AC3E}">
-        <p14:creationId xmlns:p14="http://schemas.microsoft.com/office/powerpoint/2010/main" val="1311226668"/>
+        <p14:creationId xmlns:p14="http://schemas.microsoft.com/office/powerpoint/2010/main" val="3226721413"/>
       </p:ext>
     </p:extLst>
   </p:cSld>
@@ -5296,7 +5706,7 @@
 </p:sld>
 </file>
 
-<file path=ppt/slides/slide2.xml><?xml version="1.0" encoding="utf-8"?>
+<file path=ppt/slides/slide11.xml><?xml version="1.0" encoding="utf-8"?>
 <p:sld xmlns:a="http://schemas.openxmlformats.org/drawingml/2006/main" xmlns:r="http://schemas.openxmlformats.org/officeDocument/2006/relationships" xmlns:p="http://schemas.openxmlformats.org/presentationml/2006/main">
   <p:cSld>
     <p:spTree>
@@ -5315,10 +5725,10 @@
       </p:grpSpPr>
       <p:sp>
         <p:nvSpPr>
-          <p:cNvPr id="2" name="Titel 1">
-            <a:extLst>
-              <a:ext uri="{FF2B5EF4-FFF2-40B4-BE49-F238E27FC236}">
-                <a16:creationId xmlns:a16="http://schemas.microsoft.com/office/drawing/2014/main" id="{04FEBB6E-A311-E859-003C-A01DA187CD57}"/>
+          <p:cNvPr id="10" name="Titel 9">
+            <a:extLst>
+              <a:ext uri="{FF2B5EF4-FFF2-40B4-BE49-F238E27FC236}">
+                <a16:creationId xmlns:a16="http://schemas.microsoft.com/office/drawing/2014/main" id="{C83F7908-01E5-282B-8937-9973E9F708E4}"/>
               </a:ext>
             </a:extLst>
           </p:cNvPr>
@@ -5335,529 +5745,8 @@
           <a:lstStyle/>
           <a:p>
             <a:r>
-              <a:rPr lang="en-US" dirty="0" err="1"/>
-              <a:t>Projektvorstellung</a:t>
-            </a:r>
-            <a:r>
               <a:rPr lang="en-US" dirty="0"/>
-              <a:t> </a:t>
-            </a:r>
-            <a:r>
-              <a:rPr lang="en-US" dirty="0">
-                <a:solidFill>
-                  <a:srgbClr val="FF0000"/>
-                </a:solidFill>
-              </a:rPr>
-              <a:t>(</a:t>
-            </a:r>
-            <a:r>
-              <a:rPr lang="en-US" dirty="0" err="1">
-                <a:solidFill>
-                  <a:srgbClr val="FF0000"/>
-                </a:solidFill>
-              </a:rPr>
-              <a:t>Wdh</a:t>
-            </a:r>
-            <a:r>
-              <a:rPr lang="en-US" dirty="0">
-                <a:solidFill>
-                  <a:srgbClr val="FF0000"/>
-                </a:solidFill>
-              </a:rPr>
-              <a:t>. MS1)</a:t>
-            </a:r>
-            <a:endParaRPr lang="de-DE" dirty="0">
-              <a:solidFill>
-                <a:srgbClr val="FF0000"/>
-              </a:solidFill>
-            </a:endParaRPr>
-          </a:p>
-        </p:txBody>
-      </p:sp>
-      <p:sp>
-        <p:nvSpPr>
-          <p:cNvPr id="9" name="Inhaltsplatzhalter 2">
-            <a:extLst>
-              <a:ext uri="{FF2B5EF4-FFF2-40B4-BE49-F238E27FC236}">
-                <a16:creationId xmlns:a16="http://schemas.microsoft.com/office/drawing/2014/main" id="{37A39B74-9376-AB29-ADAC-7E10AE929753}"/>
-              </a:ext>
-            </a:extLst>
-          </p:cNvPr>
-          <p:cNvSpPr txBox="1">
-            <a:spLocks/>
-          </p:cNvSpPr>
-          <p:nvPr/>
-        </p:nvSpPr>
-        <p:spPr>
-          <a:xfrm>
-            <a:off x="4486275" y="2008187"/>
-            <a:ext cx="6991350" cy="4116388"/>
-          </a:xfrm>
-          <a:prstGeom prst="rect">
-            <a:avLst/>
-          </a:prstGeom>
-        </p:spPr>
-        <p:txBody>
-          <a:bodyPr vert="horz" lIns="91440" tIns="45720" rIns="91440" bIns="45720" rtlCol="0">
-            <a:normAutofit/>
-          </a:bodyPr>
-          <a:lstStyle>
-            <a:lvl1pPr marL="228600" indent="-228600" algn="l" defTabSz="914400" rtl="0" eaLnBrk="1" latinLnBrk="0" hangingPunct="1">
-              <a:lnSpc>
-                <a:spcPct val="90000"/>
-              </a:lnSpc>
-              <a:spcBef>
-                <a:spcPts val="1000"/>
-              </a:spcBef>
-              <a:buFont typeface="Arial" panose="020B0604020202020204" pitchFamily="34" charset="0"/>
-              <a:buChar char="•"/>
-              <a:defRPr sz="2800" kern="1200">
-                <a:solidFill>
-                  <a:schemeClr val="tx1"/>
-                </a:solidFill>
-                <a:latin typeface="Tenorite" panose="00000500000000000000" pitchFamily="2" charset="0"/>
-                <a:ea typeface="+mn-ea"/>
-                <a:cs typeface="+mn-cs"/>
-              </a:defRPr>
-            </a:lvl1pPr>
-            <a:lvl2pPr marL="685800" indent="-228600" algn="l" defTabSz="914400" rtl="0" eaLnBrk="1" latinLnBrk="0" hangingPunct="1">
-              <a:lnSpc>
-                <a:spcPct val="90000"/>
-              </a:lnSpc>
-              <a:spcBef>
-                <a:spcPts val="500"/>
-              </a:spcBef>
-              <a:buFont typeface="Arial" panose="020B0604020202020204" pitchFamily="34" charset="0"/>
-              <a:buChar char="•"/>
-              <a:defRPr sz="2400" kern="1200">
-                <a:solidFill>
-                  <a:schemeClr val="tx1"/>
-                </a:solidFill>
-                <a:latin typeface="Tenorite" panose="00000500000000000000" pitchFamily="2" charset="0"/>
-                <a:ea typeface="+mn-ea"/>
-                <a:cs typeface="+mn-cs"/>
-              </a:defRPr>
-            </a:lvl2pPr>
-            <a:lvl3pPr marL="1143000" indent="-228600" algn="l" defTabSz="914400" rtl="0" eaLnBrk="1" latinLnBrk="0" hangingPunct="1">
-              <a:lnSpc>
-                <a:spcPct val="90000"/>
-              </a:lnSpc>
-              <a:spcBef>
-                <a:spcPts val="500"/>
-              </a:spcBef>
-              <a:buFont typeface="Arial" panose="020B0604020202020204" pitchFamily="34" charset="0"/>
-              <a:buChar char="•"/>
-              <a:defRPr sz="2000" kern="1200">
-                <a:solidFill>
-                  <a:schemeClr val="tx1"/>
-                </a:solidFill>
-                <a:latin typeface="Tenorite" panose="00000500000000000000" pitchFamily="2" charset="0"/>
-                <a:ea typeface="+mn-ea"/>
-                <a:cs typeface="+mn-cs"/>
-              </a:defRPr>
-            </a:lvl3pPr>
-            <a:lvl4pPr marL="1600200" indent="-228600" algn="l" defTabSz="914400" rtl="0" eaLnBrk="1" latinLnBrk="0" hangingPunct="1">
-              <a:lnSpc>
-                <a:spcPct val="90000"/>
-              </a:lnSpc>
-              <a:spcBef>
-                <a:spcPts val="500"/>
-              </a:spcBef>
-              <a:buFont typeface="Arial" panose="020B0604020202020204" pitchFamily="34" charset="0"/>
-              <a:buChar char="•"/>
-              <a:defRPr sz="1800" kern="1200">
-                <a:solidFill>
-                  <a:schemeClr val="tx1"/>
-                </a:solidFill>
-                <a:latin typeface="Tenorite" panose="00000500000000000000" pitchFamily="2" charset="0"/>
-                <a:ea typeface="+mn-ea"/>
-                <a:cs typeface="+mn-cs"/>
-              </a:defRPr>
-            </a:lvl4pPr>
-            <a:lvl5pPr marL="2057400" indent="-228600" algn="l" defTabSz="914400" rtl="0" eaLnBrk="1" latinLnBrk="0" hangingPunct="1">
-              <a:lnSpc>
-                <a:spcPct val="90000"/>
-              </a:lnSpc>
-              <a:spcBef>
-                <a:spcPts val="500"/>
-              </a:spcBef>
-              <a:buFont typeface="Arial" panose="020B0604020202020204" pitchFamily="34" charset="0"/>
-              <a:buChar char="•"/>
-              <a:defRPr sz="1800" kern="1200">
-                <a:solidFill>
-                  <a:schemeClr val="tx1"/>
-                </a:solidFill>
-                <a:latin typeface="Tenorite" panose="00000500000000000000" pitchFamily="2" charset="0"/>
-                <a:ea typeface="+mn-ea"/>
-                <a:cs typeface="+mn-cs"/>
-              </a:defRPr>
-            </a:lvl5pPr>
-            <a:lvl6pPr marL="2514600" indent="-228600" algn="l" defTabSz="914400" rtl="0" eaLnBrk="1" latinLnBrk="0" hangingPunct="1">
-              <a:lnSpc>
-                <a:spcPct val="90000"/>
-              </a:lnSpc>
-              <a:spcBef>
-                <a:spcPts val="500"/>
-              </a:spcBef>
-              <a:buFont typeface="Arial" panose="020B0604020202020204" pitchFamily="34" charset="0"/>
-              <a:buChar char="•"/>
-              <a:defRPr sz="1800" kern="1200">
-                <a:solidFill>
-                  <a:schemeClr val="tx1"/>
-                </a:solidFill>
-                <a:latin typeface="+mn-lt"/>
-                <a:ea typeface="+mn-ea"/>
-                <a:cs typeface="+mn-cs"/>
-              </a:defRPr>
-            </a:lvl6pPr>
-            <a:lvl7pPr marL="2971800" indent="-228600" algn="l" defTabSz="914400" rtl="0" eaLnBrk="1" latinLnBrk="0" hangingPunct="1">
-              <a:lnSpc>
-                <a:spcPct val="90000"/>
-              </a:lnSpc>
-              <a:spcBef>
-                <a:spcPts val="500"/>
-              </a:spcBef>
-              <a:buFont typeface="Arial" panose="020B0604020202020204" pitchFamily="34" charset="0"/>
-              <a:buChar char="•"/>
-              <a:defRPr sz="1800" kern="1200">
-                <a:solidFill>
-                  <a:schemeClr val="tx1"/>
-                </a:solidFill>
-                <a:latin typeface="+mn-lt"/>
-                <a:ea typeface="+mn-ea"/>
-                <a:cs typeface="+mn-cs"/>
-              </a:defRPr>
-            </a:lvl7pPr>
-            <a:lvl8pPr marL="3429000" indent="-228600" algn="l" defTabSz="914400" rtl="0" eaLnBrk="1" latinLnBrk="0" hangingPunct="1">
-              <a:lnSpc>
-                <a:spcPct val="90000"/>
-              </a:lnSpc>
-              <a:spcBef>
-                <a:spcPts val="500"/>
-              </a:spcBef>
-              <a:buFont typeface="Arial" panose="020B0604020202020204" pitchFamily="34" charset="0"/>
-              <a:buChar char="•"/>
-              <a:defRPr sz="1800" kern="1200">
-                <a:solidFill>
-                  <a:schemeClr val="tx1"/>
-                </a:solidFill>
-                <a:latin typeface="+mn-lt"/>
-                <a:ea typeface="+mn-ea"/>
-                <a:cs typeface="+mn-cs"/>
-              </a:defRPr>
-            </a:lvl8pPr>
-            <a:lvl9pPr marL="3886200" indent="-228600" algn="l" defTabSz="914400" rtl="0" eaLnBrk="1" latinLnBrk="0" hangingPunct="1">
-              <a:lnSpc>
-                <a:spcPct val="90000"/>
-              </a:lnSpc>
-              <a:spcBef>
-                <a:spcPts val="500"/>
-              </a:spcBef>
-              <a:buFont typeface="Arial" panose="020B0604020202020204" pitchFamily="34" charset="0"/>
-              <a:buChar char="•"/>
-              <a:defRPr sz="1800" kern="1200">
-                <a:solidFill>
-                  <a:schemeClr val="tx1"/>
-                </a:solidFill>
-                <a:latin typeface="+mn-lt"/>
-                <a:ea typeface="+mn-ea"/>
-                <a:cs typeface="+mn-cs"/>
-              </a:defRPr>
-            </a:lvl9pPr>
-          </a:lstStyle>
-          <a:p>
-            <a:r>
-              <a:rPr lang="en-US" dirty="0"/>
-              <a:t>Sampler </a:t>
-            </a:r>
-            <a:r>
-              <a:rPr lang="en-US" dirty="0" err="1"/>
-              <a:t>zum</a:t>
-            </a:r>
-            <a:r>
-              <a:rPr lang="en-US" dirty="0"/>
-              <a:t> </a:t>
-            </a:r>
-            <a:r>
-              <a:rPr lang="en-US" dirty="0" err="1"/>
-              <a:t>Aufnehmen</a:t>
-            </a:r>
-            <a:r>
-              <a:rPr lang="en-US" dirty="0"/>
-              <a:t> und </a:t>
-            </a:r>
-            <a:r>
-              <a:rPr lang="en-US" dirty="0" err="1"/>
-              <a:t>Abspielen</a:t>
-            </a:r>
-            <a:r>
-              <a:rPr lang="en-US" dirty="0"/>
-              <a:t> von Audio-</a:t>
-            </a:r>
-            <a:r>
-              <a:rPr lang="en-US" dirty="0" err="1"/>
-              <a:t>Dateien</a:t>
-            </a:r>
-            <a:endParaRPr lang="en-US" dirty="0"/>
-          </a:p>
-          <a:p>
-            <a:endParaRPr lang="en-US" dirty="0"/>
-          </a:p>
-          <a:p>
-            <a:r>
-              <a:rPr lang="en-US" dirty="0" err="1"/>
-              <a:t>Klassifizierung</a:t>
-            </a:r>
-            <a:r>
-              <a:rPr lang="en-US" dirty="0"/>
-              <a:t> der Samples </a:t>
-            </a:r>
-            <a:r>
-              <a:rPr lang="en-US" dirty="0" err="1"/>
-              <a:t>durch</a:t>
-            </a:r>
-            <a:r>
-              <a:rPr lang="en-US" dirty="0"/>
-              <a:t> </a:t>
-            </a:r>
-            <a:r>
-              <a:rPr lang="en-US" dirty="0" err="1"/>
-              <a:t>Neuronales</a:t>
-            </a:r>
-            <a:r>
-              <a:rPr lang="en-US" dirty="0"/>
-              <a:t> </a:t>
-            </a:r>
-            <a:r>
-              <a:rPr lang="en-US" dirty="0" err="1"/>
-              <a:t>Netz</a:t>
-            </a:r>
-            <a:r>
-              <a:rPr lang="en-US" dirty="0"/>
-              <a:t> (</a:t>
-            </a:r>
-            <a:r>
-              <a:rPr lang="en-US" dirty="0" err="1"/>
-              <a:t>lokal</a:t>
-            </a:r>
-            <a:r>
-              <a:rPr lang="en-US" dirty="0"/>
-              <a:t>)</a:t>
-            </a:r>
-          </a:p>
-          <a:p>
-            <a:endParaRPr lang="en-US" dirty="0"/>
-          </a:p>
-          <a:p>
-            <a:r>
-              <a:rPr lang="en-US" dirty="0" err="1"/>
-              <a:t>Eurorack</a:t>
-            </a:r>
-            <a:r>
-              <a:rPr lang="en-US" dirty="0"/>
-              <a:t>-Format</a:t>
-            </a:r>
-            <a:endParaRPr lang="de-DE" dirty="0"/>
-          </a:p>
-        </p:txBody>
-      </p:sp>
-      <p:pic>
-        <p:nvPicPr>
-          <p:cNvPr id="11" name="Grafik 10">
-            <a:extLst>
-              <a:ext uri="{FF2B5EF4-FFF2-40B4-BE49-F238E27FC236}">
-                <a16:creationId xmlns:a16="http://schemas.microsoft.com/office/drawing/2014/main" id="{AA20387B-BC59-8BB1-495C-24096F18E61A}"/>
-              </a:ext>
-            </a:extLst>
-          </p:cNvPr>
-          <p:cNvPicPr>
-            <a:picLocks noChangeAspect="1"/>
-          </p:cNvPicPr>
-          <p:nvPr/>
-        </p:nvPicPr>
-        <p:blipFill>
-          <a:blip r:embed="rId3">
-            <a:extLst>
-              <a:ext uri="{28A0092B-C50C-407E-A947-70E740481C1C}">
-                <a14:useLocalDpi xmlns:a14="http://schemas.microsoft.com/office/drawing/2010/main" val="0"/>
-              </a:ext>
-              <a:ext uri="{96DAC541-7B7A-43D3-8B79-37D633B846F1}">
-                <asvg:svgBlip xmlns:asvg="http://schemas.microsoft.com/office/drawing/2016/SVG/main" r:embed="rId4"/>
-              </a:ext>
-            </a:extLst>
-          </a:blip>
-          <a:stretch>
-            <a:fillRect/>
-          </a:stretch>
-        </p:blipFill>
-        <p:spPr>
-          <a:xfrm>
-            <a:off x="1003935" y="1863725"/>
-            <a:ext cx="2930597" cy="4116388"/>
-          </a:xfrm>
-          <a:prstGeom prst="rect">
-            <a:avLst/>
-          </a:prstGeom>
-        </p:spPr>
-      </p:pic>
-    </p:spTree>
-    <p:extLst>
-      <p:ext uri="{BB962C8B-B14F-4D97-AF65-F5344CB8AC3E}">
-        <p14:creationId xmlns:p14="http://schemas.microsoft.com/office/powerpoint/2010/main" val="2380438952"/>
-      </p:ext>
-    </p:extLst>
-  </p:cSld>
-  <p:clrMapOvr>
-    <a:masterClrMapping/>
-  </p:clrMapOvr>
-</p:sld>
-</file>
-
-<file path=ppt/slides/slide3.xml><?xml version="1.0" encoding="utf-8"?>
-<p:sld xmlns:a="http://schemas.openxmlformats.org/drawingml/2006/main" xmlns:r="http://schemas.openxmlformats.org/officeDocument/2006/relationships" xmlns:p="http://schemas.openxmlformats.org/presentationml/2006/main">
-  <p:cSld>
-    <p:spTree>
-      <p:nvGrpSpPr>
-        <p:cNvPr id="1" name=""/>
-        <p:cNvGrpSpPr/>
-        <p:nvPr/>
-      </p:nvGrpSpPr>
-      <p:grpSpPr>
-        <a:xfrm>
-          <a:off x="0" y="0"/>
-          <a:ext cx="0" cy="0"/>
-          <a:chOff x="0" y="0"/>
-          <a:chExt cx="0" cy="0"/>
-        </a:xfrm>
-      </p:grpSpPr>
-      <p:sp>
-        <p:nvSpPr>
-          <p:cNvPr id="10" name="Titel 9">
-            <a:extLst>
-              <a:ext uri="{FF2B5EF4-FFF2-40B4-BE49-F238E27FC236}">
-                <a16:creationId xmlns:a16="http://schemas.microsoft.com/office/drawing/2014/main" id="{C83F7908-01E5-282B-8937-9973E9F708E4}"/>
-              </a:ext>
-            </a:extLst>
-          </p:cNvPr>
-          <p:cNvSpPr>
-            <a:spLocks noGrp="1"/>
-          </p:cNvSpPr>
-          <p:nvPr>
-            <p:ph type="title"/>
-          </p:nvPr>
-        </p:nvSpPr>
-        <p:spPr/>
-        <p:txBody>
-          <a:bodyPr/>
-          <a:lstStyle/>
-          <a:p>
-            <a:r>
-              <a:rPr lang="en-US" dirty="0" err="1"/>
-              <a:t>Anforderungen</a:t>
-            </a:r>
-            <a:r>
-              <a:rPr lang="en-US" dirty="0"/>
-              <a:t> </a:t>
-            </a:r>
-            <a:endParaRPr lang="de-DE" dirty="0"/>
-          </a:p>
-        </p:txBody>
-      </p:sp>
-      <p:sp>
-        <p:nvSpPr>
-          <p:cNvPr id="3" name="Inhaltsplatzhalter 2">
-            <a:extLst>
-              <a:ext uri="{FF2B5EF4-FFF2-40B4-BE49-F238E27FC236}">
-                <a16:creationId xmlns:a16="http://schemas.microsoft.com/office/drawing/2014/main" id="{68EDEB2C-8309-B837-9B1F-E2E14DB75030}"/>
-              </a:ext>
-            </a:extLst>
-          </p:cNvPr>
-          <p:cNvSpPr>
-            <a:spLocks noGrp="1"/>
-          </p:cNvSpPr>
-          <p:nvPr>
-            <p:ph idx="1"/>
-          </p:nvPr>
-        </p:nvSpPr>
-        <p:spPr>
-          <a:xfrm>
-            <a:off x="1004479" y="2092324"/>
-            <a:ext cx="9701621" cy="3752851"/>
-          </a:xfrm>
-        </p:spPr>
-        <p:txBody>
-          <a:bodyPr>
-            <a:normAutofit/>
-          </a:bodyPr>
-          <a:lstStyle/>
-          <a:p>
-            <a:r>
-              <a:rPr lang="de-DE" dirty="0"/>
-              <a:t>Wiederholung von MS1, damit die Leute wissen, welche Anforderungen es gab</a:t>
-            </a:r>
-          </a:p>
-          <a:p>
-            <a:r>
-              <a:rPr lang="de-DE" dirty="0"/>
-              <a:t>Zuständigkeiten können aus der folgenden Folie entnommen werden</a:t>
-            </a:r>
-          </a:p>
-        </p:txBody>
-      </p:sp>
-    </p:spTree>
-    <p:extLst>
-      <p:ext uri="{BB962C8B-B14F-4D97-AF65-F5344CB8AC3E}">
-        <p14:creationId xmlns:p14="http://schemas.microsoft.com/office/powerpoint/2010/main" val="1818823183"/>
-      </p:ext>
-    </p:extLst>
-  </p:cSld>
-  <p:clrMapOvr>
-    <a:masterClrMapping/>
-  </p:clrMapOvr>
-</p:sld>
-</file>
-
-<file path=ppt/slides/slide4.xml><?xml version="1.0" encoding="utf-8"?>
-<p:sld xmlns:a="http://schemas.openxmlformats.org/drawingml/2006/main" xmlns:r="http://schemas.openxmlformats.org/officeDocument/2006/relationships" xmlns:p="http://schemas.openxmlformats.org/presentationml/2006/main">
-  <p:cSld>
-    <p:spTree>
-      <p:nvGrpSpPr>
-        <p:cNvPr id="1" name=""/>
-        <p:cNvGrpSpPr/>
-        <p:nvPr/>
-      </p:nvGrpSpPr>
-      <p:grpSpPr>
-        <a:xfrm>
-          <a:off x="0" y="0"/>
-          <a:ext cx="0" cy="0"/>
-          <a:chOff x="0" y="0"/>
-          <a:chExt cx="0" cy="0"/>
-        </a:xfrm>
-      </p:grpSpPr>
-      <p:sp>
-        <p:nvSpPr>
-          <p:cNvPr id="2" name="Titel 1">
-            <a:extLst>
-              <a:ext uri="{FF2B5EF4-FFF2-40B4-BE49-F238E27FC236}">
-                <a16:creationId xmlns:a16="http://schemas.microsoft.com/office/drawing/2014/main" id="{06FFF98F-1DE0-08C1-2387-52CFB07E7E47}"/>
-              </a:ext>
-            </a:extLst>
-          </p:cNvPr>
-          <p:cNvSpPr>
-            <a:spLocks noGrp="1"/>
-          </p:cNvSpPr>
-          <p:nvPr>
-            <p:ph type="title"/>
-          </p:nvPr>
-        </p:nvSpPr>
-        <p:spPr/>
-        <p:txBody>
-          <a:bodyPr/>
-          <a:lstStyle/>
-          <a:p>
-            <a:r>
-              <a:rPr lang="en-US" dirty="0" err="1"/>
-              <a:t>Zuständigkeiten</a:t>
+              <a:t>Jonas</a:t>
             </a:r>
             <a:endParaRPr lang="de-DE" dirty="0"/>
           </a:p>
@@ -5865,10 +5754,10 @@
       </p:sp>
       <p:graphicFrame>
         <p:nvGraphicFramePr>
-          <p:cNvPr id="4" name="Inhaltsplatzhalter 3">
-            <a:extLst>
-              <a:ext uri="{FF2B5EF4-FFF2-40B4-BE49-F238E27FC236}">
-                <a16:creationId xmlns:a16="http://schemas.microsoft.com/office/drawing/2014/main" id="{24D5B6E4-31EF-0E5B-0060-8679B4D8ADB6}"/>
+          <p:cNvPr id="5" name="Inhaltsplatzhalter 4">
+            <a:extLst>
+              <a:ext uri="{FF2B5EF4-FFF2-40B4-BE49-F238E27FC236}">
+                <a16:creationId xmlns:a16="http://schemas.microsoft.com/office/drawing/2014/main" id="{ABD05088-1253-9FCC-8B00-7CB394148B61}"/>
               </a:ext>
             </a:extLst>
           </p:cNvPr>
@@ -5877,1275 +5766,16 @@
           </p:cNvGraphicFramePr>
           <p:nvPr>
             <p:ph idx="1"/>
-          </p:nvPr>
-        </p:nvGraphicFramePr>
-        <p:xfrm>
-          <a:off x="838201" y="1968500"/>
-          <a:ext cx="10515597" cy="4588577"/>
-        </p:xfrm>
-        <a:graphic>
-          <a:graphicData uri="http://schemas.openxmlformats.org/drawingml/2006/table">
-            <a:tbl>
-              <a:tblPr firstRow="1" bandRow="1">
-                <a:effectLst/>
-                <a:tableStyleId>{5C22544A-7EE6-4342-B048-85BDC9FD1C3A}</a:tableStyleId>
-              </a:tblPr>
-              <a:tblGrid>
-                <a:gridCol w="3505199">
-                  <a:extLst>
-                    <a:ext uri="{9D8B030D-6E8A-4147-A177-3AD203B41FA5}">
-                      <a16:colId xmlns:a16="http://schemas.microsoft.com/office/drawing/2014/main" val="3236224388"/>
-                    </a:ext>
-                  </a:extLst>
-                </a:gridCol>
-                <a:gridCol w="3505199">
-                  <a:extLst>
-                    <a:ext uri="{9D8B030D-6E8A-4147-A177-3AD203B41FA5}">
-                      <a16:colId xmlns:a16="http://schemas.microsoft.com/office/drawing/2014/main" val="26712573"/>
-                    </a:ext>
-                  </a:extLst>
-                </a:gridCol>
-                <a:gridCol w="3505199">
-                  <a:extLst>
-                    <a:ext uri="{9D8B030D-6E8A-4147-A177-3AD203B41FA5}">
-                      <a16:colId xmlns:a16="http://schemas.microsoft.com/office/drawing/2014/main" val="77738962"/>
-                    </a:ext>
-                  </a:extLst>
-                </a:gridCol>
-              </a:tblGrid>
-              <a:tr h="1144337">
-                <a:tc>
-                  <a:txBody>
-                    <a:bodyPr/>
-                    <a:lstStyle/>
-                    <a:p>
-                      <a:pPr marL="0" marR="0" lvl="0" indent="0" algn="ctr" defTabSz="914400" rtl="0" eaLnBrk="1" fontAlgn="auto" latinLnBrk="0" hangingPunct="1">
-                        <a:lnSpc>
-                          <a:spcPct val="100000"/>
-                        </a:lnSpc>
-                        <a:spcBef>
-                          <a:spcPts val="0"/>
-                        </a:spcBef>
-                        <a:spcAft>
-                          <a:spcPts val="0"/>
-                        </a:spcAft>
-                        <a:buClrTx/>
-                        <a:buSzTx/>
-                        <a:buFontTx/>
-                        <a:buNone/>
-                        <a:tabLst/>
-                        <a:defRPr/>
-                      </a:pPr>
-                      <a:r>
-                        <a:rPr lang="en-US" sz="2000" dirty="0">
-                          <a:solidFill>
-                            <a:schemeClr val="tx1">
-                              <a:lumMod val="85000"/>
-                              <a:lumOff val="15000"/>
-                            </a:schemeClr>
-                          </a:solidFill>
-                          <a:effectLst/>
-                          <a:latin typeface="Tenorite" panose="00000500000000000000" pitchFamily="2" charset="0"/>
-                        </a:rPr>
-                        <a:t>Leon </a:t>
-                      </a:r>
-                      <a:br>
-                        <a:rPr lang="en-US" sz="2000" dirty="0">
-                          <a:solidFill>
-                            <a:schemeClr val="tx1">
-                              <a:lumMod val="85000"/>
-                              <a:lumOff val="15000"/>
-                            </a:schemeClr>
-                          </a:solidFill>
-                          <a:effectLst/>
-                          <a:latin typeface="Tenorite" panose="00000500000000000000" pitchFamily="2" charset="0"/>
-                        </a:rPr>
-                      </a:br>
-                      <a:r>
-                        <a:rPr lang="de-DE" sz="2000" b="0" i="1" kern="1200" dirty="0">
-                          <a:solidFill>
-                            <a:schemeClr val="dk1"/>
-                          </a:solidFill>
-                          <a:effectLst/>
-                          <a:latin typeface="Tenorite" panose="00000500000000000000" pitchFamily="2" charset="0"/>
-                          <a:ea typeface="+mn-ea"/>
-                          <a:cs typeface="+mn-cs"/>
-                        </a:rPr>
-                        <a:t>Neuronal Navigator</a:t>
-                      </a:r>
-                    </a:p>
-                    <a:p>
-                      <a:pPr algn="ctr"/>
-                      <a:endParaRPr lang="de-DE" sz="2000" dirty="0">
-                        <a:solidFill>
-                          <a:schemeClr val="tx1">
-                            <a:lumMod val="85000"/>
-                            <a:lumOff val="15000"/>
-                          </a:schemeClr>
-                        </a:solidFill>
-                        <a:effectLst/>
-                        <a:latin typeface="Tenorite" panose="00000500000000000000" pitchFamily="2" charset="0"/>
-                      </a:endParaRPr>
-                    </a:p>
-                  </a:txBody>
-                  <a:tcPr>
-                    <a:lnL w="12700" cap="flat" cmpd="sng" algn="ctr">
-                      <a:noFill/>
-                      <a:prstDash val="solid"/>
-                      <a:round/>
-                      <a:headEnd type="none" w="med" len="med"/>
-                      <a:tailEnd type="none" w="med" len="med"/>
-                    </a:lnL>
-                    <a:lnR w="12700" cap="flat" cmpd="sng" algn="ctr">
-                      <a:noFill/>
-                      <a:prstDash val="solid"/>
-                      <a:round/>
-                      <a:headEnd type="none" w="med" len="med"/>
-                      <a:tailEnd type="none" w="med" len="med"/>
-                    </a:lnR>
-                    <a:lnT w="12700" cap="flat" cmpd="sng" algn="ctr">
-                      <a:noFill/>
-                      <a:prstDash val="solid"/>
-                      <a:round/>
-                      <a:headEnd type="none" w="med" len="med"/>
-                      <a:tailEnd type="none" w="med" len="med"/>
-                    </a:lnT>
-                    <a:lnB w="12700" cap="flat" cmpd="sng" algn="ctr">
-                      <a:noFill/>
-                      <a:prstDash val="solid"/>
-                      <a:round/>
-                      <a:headEnd type="none" w="med" len="med"/>
-                      <a:tailEnd type="none" w="med" len="med"/>
-                    </a:lnB>
-                    <a:lnTlToBr w="12700" cmpd="sng">
-                      <a:noFill/>
-                      <a:prstDash val="solid"/>
-                    </a:lnTlToBr>
-                    <a:lnBlToTr w="12700" cmpd="sng">
-                      <a:noFill/>
-                      <a:prstDash val="solid"/>
-                    </a:lnBlToTr>
-                    <a:noFill/>
-                  </a:tcPr>
-                </a:tc>
-                <a:tc>
-                  <a:txBody>
-                    <a:bodyPr/>
-                    <a:lstStyle/>
-                    <a:p>
-                      <a:pPr algn="ctr"/>
-                      <a:r>
-                        <a:rPr lang="en-US" sz="2000" dirty="0">
-                          <a:solidFill>
-                            <a:schemeClr val="tx1">
-                              <a:lumMod val="85000"/>
-                              <a:lumOff val="15000"/>
-                            </a:schemeClr>
-                          </a:solidFill>
-                          <a:effectLst/>
-                          <a:latin typeface="Tenorite" panose="00000500000000000000" pitchFamily="2" charset="0"/>
-                        </a:rPr>
-                        <a:t>Szymon </a:t>
-                      </a:r>
-                      <a:br>
-                        <a:rPr lang="en-US" sz="2000" dirty="0">
-                          <a:solidFill>
-                            <a:schemeClr val="tx1">
-                              <a:lumMod val="85000"/>
-                              <a:lumOff val="15000"/>
-                            </a:schemeClr>
-                          </a:solidFill>
-                          <a:effectLst/>
-                          <a:latin typeface="Tenorite" panose="00000500000000000000" pitchFamily="2" charset="0"/>
-                        </a:rPr>
-                      </a:br>
-                      <a:r>
-                        <a:rPr lang="de-DE" sz="2000" b="0" i="1" kern="1200" dirty="0" err="1">
-                          <a:solidFill>
-                            <a:schemeClr val="dk1"/>
-                          </a:solidFill>
-                          <a:effectLst/>
-                          <a:latin typeface="Tenorite" panose="00000500000000000000" pitchFamily="2" charset="0"/>
-                          <a:ea typeface="+mn-ea"/>
-                          <a:cs typeface="+mn-cs"/>
-                        </a:rPr>
-                        <a:t>Interfacing</a:t>
-                      </a:r>
-                      <a:r>
-                        <a:rPr lang="de-DE" sz="2000" b="0" i="1" kern="1200" dirty="0">
-                          <a:solidFill>
-                            <a:schemeClr val="dk1"/>
-                          </a:solidFill>
-                          <a:effectLst/>
-                          <a:latin typeface="Tenorite" panose="00000500000000000000" pitchFamily="2" charset="0"/>
-                          <a:ea typeface="+mn-ea"/>
-                          <a:cs typeface="+mn-cs"/>
-                        </a:rPr>
-                        <a:t> </a:t>
-                      </a:r>
-                      <a:r>
-                        <a:rPr lang="de-DE" sz="2000" b="0" i="1" kern="1200" dirty="0" err="1">
-                          <a:solidFill>
-                            <a:schemeClr val="dk1"/>
-                          </a:solidFill>
-                          <a:effectLst/>
-                          <a:latin typeface="Tenorite" panose="00000500000000000000" pitchFamily="2" charset="0"/>
-                          <a:ea typeface="+mn-ea"/>
-                          <a:cs typeface="+mn-cs"/>
-                        </a:rPr>
-                        <a:t>Specialist</a:t>
-                      </a:r>
-                      <a:endParaRPr lang="de-DE" sz="2000" i="1" dirty="0">
-                        <a:solidFill>
-                          <a:schemeClr val="tx1">
-                            <a:lumMod val="85000"/>
-                            <a:lumOff val="15000"/>
-                          </a:schemeClr>
-                        </a:solidFill>
-                        <a:effectLst/>
-                        <a:latin typeface="Tenorite" panose="00000500000000000000" pitchFamily="2" charset="0"/>
-                      </a:endParaRPr>
-                    </a:p>
-                  </a:txBody>
-                  <a:tcPr>
-                    <a:lnL w="12700" cap="flat" cmpd="sng" algn="ctr">
-                      <a:noFill/>
-                      <a:prstDash val="solid"/>
-                      <a:round/>
-                      <a:headEnd type="none" w="med" len="med"/>
-                      <a:tailEnd type="none" w="med" len="med"/>
-                    </a:lnL>
-                    <a:lnR w="12700" cap="flat" cmpd="sng" algn="ctr">
-                      <a:noFill/>
-                      <a:prstDash val="solid"/>
-                      <a:round/>
-                      <a:headEnd type="none" w="med" len="med"/>
-                      <a:tailEnd type="none" w="med" len="med"/>
-                    </a:lnR>
-                    <a:lnT w="12700" cap="flat" cmpd="sng" algn="ctr">
-                      <a:noFill/>
-                      <a:prstDash val="solid"/>
-                      <a:round/>
-                      <a:headEnd type="none" w="med" len="med"/>
-                      <a:tailEnd type="none" w="med" len="med"/>
-                    </a:lnT>
-                    <a:lnB w="12700" cap="flat" cmpd="sng" algn="ctr">
-                      <a:noFill/>
-                      <a:prstDash val="solid"/>
-                      <a:round/>
-                      <a:headEnd type="none" w="med" len="med"/>
-                      <a:tailEnd type="none" w="med" len="med"/>
-                    </a:lnB>
-                    <a:lnTlToBr w="12700" cmpd="sng">
-                      <a:noFill/>
-                      <a:prstDash val="solid"/>
-                    </a:lnTlToBr>
-                    <a:lnBlToTr w="12700" cmpd="sng">
-                      <a:noFill/>
-                      <a:prstDash val="solid"/>
-                    </a:lnBlToTr>
-                    <a:noFill/>
-                  </a:tcPr>
-                </a:tc>
-                <a:tc>
-                  <a:txBody>
-                    <a:bodyPr/>
-                    <a:lstStyle/>
-                    <a:p>
-                      <a:pPr algn="ctr"/>
-                      <a:r>
-                        <a:rPr lang="en-US" sz="2000" dirty="0">
-                          <a:solidFill>
-                            <a:schemeClr val="tx1">
-                              <a:lumMod val="85000"/>
-                              <a:lumOff val="15000"/>
-                            </a:schemeClr>
-                          </a:solidFill>
-                          <a:effectLst/>
-                          <a:latin typeface="Tenorite" panose="00000500000000000000" pitchFamily="2" charset="0"/>
-                        </a:rPr>
-                        <a:t>Jonas </a:t>
-                      </a:r>
-                      <a:br>
-                        <a:rPr lang="en-US" sz="2000" dirty="0">
-                          <a:solidFill>
-                            <a:schemeClr val="tx1">
-                              <a:lumMod val="85000"/>
-                              <a:lumOff val="15000"/>
-                            </a:schemeClr>
-                          </a:solidFill>
-                          <a:effectLst/>
-                          <a:latin typeface="Tenorite" panose="00000500000000000000" pitchFamily="2" charset="0"/>
-                        </a:rPr>
-                      </a:br>
-                      <a:r>
-                        <a:rPr lang="de-DE" sz="2000" b="0" i="1" kern="1200" dirty="0">
-                          <a:solidFill>
-                            <a:schemeClr val="dk1"/>
-                          </a:solidFill>
-                          <a:effectLst/>
-                          <a:latin typeface="Tenorite" panose="00000500000000000000" pitchFamily="2" charset="0"/>
-                          <a:ea typeface="+mn-ea"/>
-                          <a:cs typeface="+mn-cs"/>
-                        </a:rPr>
-                        <a:t>Audio Engine Engineer</a:t>
-                      </a:r>
-                      <a:endParaRPr lang="de-DE" sz="2000" i="1" dirty="0">
-                        <a:solidFill>
-                          <a:schemeClr val="tx1">
-                            <a:lumMod val="85000"/>
-                            <a:lumOff val="15000"/>
-                          </a:schemeClr>
-                        </a:solidFill>
-                        <a:effectLst/>
-                        <a:latin typeface="Tenorite" panose="00000500000000000000" pitchFamily="2" charset="0"/>
-                      </a:endParaRPr>
-                    </a:p>
-                  </a:txBody>
-                  <a:tcPr>
-                    <a:lnL w="12700" cap="flat" cmpd="sng" algn="ctr">
-                      <a:noFill/>
-                      <a:prstDash val="solid"/>
-                      <a:round/>
-                      <a:headEnd type="none" w="med" len="med"/>
-                      <a:tailEnd type="none" w="med" len="med"/>
-                    </a:lnL>
-                    <a:lnR w="12700" cap="flat" cmpd="sng" algn="ctr">
-                      <a:noFill/>
-                      <a:prstDash val="solid"/>
-                      <a:round/>
-                      <a:headEnd type="none" w="med" len="med"/>
-                      <a:tailEnd type="none" w="med" len="med"/>
-                    </a:lnR>
-                    <a:lnT w="12700" cap="flat" cmpd="sng" algn="ctr">
-                      <a:noFill/>
-                      <a:prstDash val="solid"/>
-                      <a:round/>
-                      <a:headEnd type="none" w="med" len="med"/>
-                      <a:tailEnd type="none" w="med" len="med"/>
-                    </a:lnT>
-                    <a:lnB w="12700" cap="flat" cmpd="sng" algn="ctr">
-                      <a:noFill/>
-                      <a:prstDash val="solid"/>
-                      <a:round/>
-                      <a:headEnd type="none" w="med" len="med"/>
-                      <a:tailEnd type="none" w="med" len="med"/>
-                    </a:lnB>
-                    <a:lnTlToBr w="12700" cmpd="sng">
-                      <a:noFill/>
-                      <a:prstDash val="solid"/>
-                    </a:lnTlToBr>
-                    <a:lnBlToTr w="12700" cmpd="sng">
-                      <a:noFill/>
-                      <a:prstDash val="solid"/>
-                    </a:lnBlToTr>
-                    <a:noFill/>
-                  </a:tcPr>
-                </a:tc>
-                <a:extLst>
-                  <a:ext uri="{0D108BD9-81ED-4DB2-BD59-A6C34878D82A}">
-                    <a16:rowId xmlns:a16="http://schemas.microsoft.com/office/drawing/2014/main" val="1863323556"/>
-                  </a:ext>
-                </a:extLst>
-              </a:tr>
-              <a:tr h="3204143">
-                <a:tc>
-                  <a:txBody>
-                    <a:bodyPr/>
-                    <a:lstStyle/>
-                    <a:p>
-                      <a:pPr marL="285750" indent="-285750" algn="l">
-                        <a:buFontTx/>
-                        <a:buChar char="-"/>
-                      </a:pPr>
-                      <a:r>
-                        <a:rPr lang="de-DE" sz="2000" b="0" kern="1200" dirty="0">
-                          <a:solidFill>
-                            <a:schemeClr val="dk1"/>
-                          </a:solidFill>
-                          <a:effectLst/>
-                          <a:latin typeface="Tenorite" panose="00000500000000000000" pitchFamily="2" charset="0"/>
-                          <a:ea typeface="+mn-ea"/>
-                          <a:cs typeface="+mn-cs"/>
-                        </a:rPr>
-                        <a:t>Neuronales Netz Topologie entwickeln</a:t>
-                      </a:r>
-                    </a:p>
-                    <a:p>
-                      <a:pPr marL="285750" indent="-285750" algn="l">
-                        <a:buFontTx/>
-                        <a:buChar char="-"/>
-                      </a:pPr>
-                      <a:r>
-                        <a:rPr lang="de-DE" sz="2000" b="0" kern="1200" dirty="0">
-                          <a:solidFill>
-                            <a:schemeClr val="dk1"/>
-                          </a:solidFill>
-                          <a:effectLst/>
-                          <a:latin typeface="Tenorite" panose="00000500000000000000" pitchFamily="2" charset="0"/>
-                          <a:ea typeface="+mn-ea"/>
-                          <a:cs typeface="+mn-cs"/>
-                        </a:rPr>
-                        <a:t>NN Trainieren und Anpassen</a:t>
-                      </a:r>
-                    </a:p>
-                    <a:p>
-                      <a:pPr marL="285750" marR="0" lvl="0" indent="-285750" algn="l" defTabSz="914400" rtl="0" eaLnBrk="1" fontAlgn="auto" latinLnBrk="0" hangingPunct="1">
-                        <a:lnSpc>
-                          <a:spcPct val="100000"/>
-                        </a:lnSpc>
-                        <a:spcBef>
-                          <a:spcPts val="0"/>
-                        </a:spcBef>
-                        <a:spcAft>
-                          <a:spcPts val="0"/>
-                        </a:spcAft>
-                        <a:buClrTx/>
-                        <a:buSzTx/>
-                        <a:buFontTx/>
-                        <a:buChar char="-"/>
-                        <a:tabLst/>
-                        <a:defRPr/>
-                      </a:pPr>
-                      <a:r>
-                        <a:rPr lang="de-DE" sz="2000" b="0" kern="1200" dirty="0">
-                          <a:solidFill>
-                            <a:schemeClr val="dk1"/>
-                          </a:solidFill>
-                          <a:effectLst/>
-                          <a:latin typeface="Tenorite" panose="00000500000000000000" pitchFamily="2" charset="0"/>
-                          <a:ea typeface="+mn-ea"/>
-                          <a:cs typeface="+mn-cs"/>
-                        </a:rPr>
-                        <a:t>Portierung für STM32CubeAI</a:t>
-                      </a:r>
-                    </a:p>
-                    <a:p>
-                      <a:pPr marL="285750" marR="0" lvl="0" indent="-285750" algn="l" defTabSz="914400" rtl="0" eaLnBrk="1" fontAlgn="auto" latinLnBrk="0" hangingPunct="1">
-                        <a:lnSpc>
-                          <a:spcPct val="100000"/>
-                        </a:lnSpc>
-                        <a:spcBef>
-                          <a:spcPts val="0"/>
-                        </a:spcBef>
-                        <a:spcAft>
-                          <a:spcPts val="0"/>
-                        </a:spcAft>
-                        <a:buClrTx/>
-                        <a:buSzTx/>
-                        <a:buFontTx/>
-                        <a:buChar char="-"/>
-                        <a:tabLst/>
-                        <a:defRPr/>
-                      </a:pPr>
-                      <a:r>
-                        <a:rPr lang="de-DE" sz="2000" b="0" kern="1200" dirty="0">
-                          <a:solidFill>
-                            <a:schemeClr val="dk1"/>
-                          </a:solidFill>
-                          <a:effectLst/>
-                          <a:latin typeface="Tenorite" panose="00000500000000000000" pitchFamily="2" charset="0"/>
-                          <a:ea typeface="+mn-ea"/>
-                          <a:cs typeface="+mn-cs"/>
-                        </a:rPr>
-                        <a:t>Algorithmus - Spektrogramm aus Audio Datei erstellen</a:t>
-                      </a:r>
-                    </a:p>
-                    <a:p>
-                      <a:pPr marL="285750" marR="0" lvl="0" indent="-285750" algn="l" defTabSz="914400" rtl="0" eaLnBrk="1" fontAlgn="auto" latinLnBrk="0" hangingPunct="1">
-                        <a:lnSpc>
-                          <a:spcPct val="100000"/>
-                        </a:lnSpc>
-                        <a:spcBef>
-                          <a:spcPts val="0"/>
-                        </a:spcBef>
-                        <a:spcAft>
-                          <a:spcPts val="0"/>
-                        </a:spcAft>
-                        <a:buClrTx/>
-                        <a:buSzTx/>
-                        <a:buFontTx/>
-                        <a:buChar char="-"/>
-                        <a:tabLst/>
-                        <a:defRPr/>
-                      </a:pPr>
-                      <a:r>
-                        <a:rPr lang="de-DE" sz="2000" b="0" kern="1200" dirty="0">
-                          <a:solidFill>
-                            <a:schemeClr val="dk1"/>
-                          </a:solidFill>
-                          <a:effectLst/>
-                          <a:latin typeface="Tenorite" panose="00000500000000000000" pitchFamily="2" charset="0"/>
-                          <a:ea typeface="+mn-ea"/>
-                          <a:cs typeface="+mn-cs"/>
-                        </a:rPr>
-                        <a:t>LED Master</a:t>
-                      </a:r>
-                    </a:p>
-                    <a:p>
-                      <a:pPr algn="l"/>
-                      <a:endParaRPr lang="de-DE" sz="2000" dirty="0">
-                        <a:solidFill>
-                          <a:schemeClr val="tx1">
-                            <a:lumMod val="85000"/>
-                            <a:lumOff val="15000"/>
-                          </a:schemeClr>
-                        </a:solidFill>
-                        <a:effectLst/>
-                        <a:latin typeface="Tenorite" panose="00000500000000000000" pitchFamily="2" charset="0"/>
-                      </a:endParaRPr>
-                    </a:p>
-                  </a:txBody>
-                  <a:tcPr>
-                    <a:lnL w="12700" cap="flat" cmpd="sng" algn="ctr">
-                      <a:noFill/>
-                      <a:prstDash val="solid"/>
-                      <a:round/>
-                      <a:headEnd type="none" w="med" len="med"/>
-                      <a:tailEnd type="none" w="med" len="med"/>
-                    </a:lnL>
-                    <a:lnR w="12700" cap="flat" cmpd="sng" algn="ctr">
-                      <a:noFill/>
-                      <a:prstDash val="solid"/>
-                      <a:round/>
-                      <a:headEnd type="none" w="med" len="med"/>
-                      <a:tailEnd type="none" w="med" len="med"/>
-                    </a:lnR>
-                    <a:lnT w="12700" cap="flat" cmpd="sng" algn="ctr">
-                      <a:noFill/>
-                      <a:prstDash val="solid"/>
-                      <a:round/>
-                      <a:headEnd type="none" w="med" len="med"/>
-                      <a:tailEnd type="none" w="med" len="med"/>
-                    </a:lnT>
-                    <a:lnB w="12700" cap="flat" cmpd="sng" algn="ctr">
-                      <a:noFill/>
-                      <a:prstDash val="solid"/>
-                      <a:round/>
-                      <a:headEnd type="none" w="med" len="med"/>
-                      <a:tailEnd type="none" w="med" len="med"/>
-                    </a:lnB>
-                    <a:lnTlToBr w="12700" cmpd="sng">
-                      <a:noFill/>
-                      <a:prstDash val="solid"/>
-                    </a:lnTlToBr>
-                    <a:lnBlToTr w="12700" cmpd="sng">
-                      <a:noFill/>
-                      <a:prstDash val="solid"/>
-                    </a:lnBlToTr>
-                    <a:noFill/>
-                  </a:tcPr>
-                </a:tc>
-                <a:tc>
-                  <a:txBody>
-                    <a:bodyPr/>
-                    <a:lstStyle/>
-                    <a:p>
-                      <a:pPr marL="285750" indent="-285750" algn="l">
-                        <a:buFontTx/>
-                        <a:buChar char="-"/>
-                      </a:pPr>
-                      <a:r>
-                        <a:rPr lang="de-DE" sz="2000" b="0" kern="1200" dirty="0">
-                          <a:solidFill>
-                            <a:schemeClr val="dk1"/>
-                          </a:solidFill>
-                          <a:effectLst/>
-                          <a:latin typeface="Tenorite" panose="00000500000000000000" pitchFamily="2" charset="0"/>
-                          <a:ea typeface="+mn-ea"/>
-                          <a:cs typeface="+mn-cs"/>
-                        </a:rPr>
-                        <a:t>Encoder</a:t>
-                      </a:r>
-                    </a:p>
-                    <a:p>
-                      <a:pPr marL="285750" indent="-285750" algn="l">
-                        <a:buFontTx/>
-                        <a:buChar char="-"/>
-                      </a:pPr>
-                      <a:r>
-                        <a:rPr lang="de-DE" sz="2000" b="0" kern="1200" dirty="0">
-                          <a:solidFill>
-                            <a:schemeClr val="dk1"/>
-                          </a:solidFill>
-                          <a:effectLst/>
-                          <a:latin typeface="Tenorite" panose="00000500000000000000" pitchFamily="2" charset="0"/>
-                          <a:ea typeface="+mn-ea"/>
-                          <a:cs typeface="+mn-cs"/>
-                        </a:rPr>
-                        <a:t>LCD</a:t>
-                      </a:r>
-                    </a:p>
-                    <a:p>
-                      <a:pPr marL="285750" indent="-285750" algn="l">
-                        <a:buFontTx/>
-                        <a:buChar char="-"/>
-                      </a:pPr>
-                      <a:r>
-                        <a:rPr lang="de-DE" sz="2000" b="0" kern="1200" dirty="0">
-                          <a:solidFill>
-                            <a:schemeClr val="dk1"/>
-                          </a:solidFill>
-                          <a:effectLst/>
-                          <a:latin typeface="Tenorite" panose="00000500000000000000" pitchFamily="2" charset="0"/>
-                          <a:ea typeface="+mn-ea"/>
-                          <a:cs typeface="+mn-cs"/>
-                        </a:rPr>
-                        <a:t>Dateisystem für Nutzdaten</a:t>
-                      </a:r>
-                    </a:p>
-                    <a:p>
-                      <a:pPr algn="l"/>
-                      <a:r>
-                        <a:rPr lang="de-DE" sz="2000" b="0" kern="1200" dirty="0">
-                          <a:solidFill>
-                            <a:schemeClr val="dk1"/>
-                          </a:solidFill>
-                          <a:effectLst/>
-                          <a:latin typeface="Tenorite" panose="00000500000000000000" pitchFamily="2" charset="0"/>
-                          <a:ea typeface="+mn-ea"/>
-                          <a:cs typeface="+mn-cs"/>
-                        </a:rPr>
-                        <a:t>    - SD-Card Read/Write</a:t>
-                      </a:r>
-                    </a:p>
-                    <a:p>
-                      <a:pPr marL="285750" indent="-285750" algn="l">
-                        <a:buFontTx/>
-                        <a:buChar char="-"/>
-                      </a:pPr>
-                      <a:r>
-                        <a:rPr lang="de-DE" sz="2000" b="0" kern="1200" dirty="0">
-                          <a:solidFill>
-                            <a:schemeClr val="dk1"/>
-                          </a:solidFill>
-                          <a:effectLst/>
-                          <a:latin typeface="Tenorite" panose="00000500000000000000" pitchFamily="2" charset="0"/>
-                          <a:ea typeface="+mn-ea"/>
-                          <a:cs typeface="+mn-cs"/>
-                        </a:rPr>
-                        <a:t>Webserver Implementation</a:t>
-                      </a:r>
-                    </a:p>
-                    <a:p>
-                      <a:pPr marL="285750" indent="-285750" algn="l">
-                        <a:buFontTx/>
-                        <a:buChar char="-"/>
-                      </a:pPr>
-                      <a:r>
-                        <a:rPr lang="de-DE" sz="2000" b="0" kern="1200" dirty="0">
-                          <a:solidFill>
-                            <a:schemeClr val="dk1"/>
-                          </a:solidFill>
-                          <a:effectLst/>
-                          <a:latin typeface="Tenorite" panose="00000500000000000000" pitchFamily="2" charset="0"/>
-                          <a:ea typeface="+mn-ea"/>
-                          <a:cs typeface="+mn-cs"/>
-                        </a:rPr>
-                        <a:t>Hardware Design</a:t>
-                      </a:r>
-                    </a:p>
-                    <a:p>
-                      <a:pPr algn="l"/>
-                      <a:endParaRPr lang="de-DE" sz="2000" dirty="0">
-                        <a:solidFill>
-                          <a:schemeClr val="tx1">
-                            <a:lumMod val="85000"/>
-                            <a:lumOff val="15000"/>
-                          </a:schemeClr>
-                        </a:solidFill>
-                        <a:effectLst/>
-                        <a:latin typeface="Tenorite" panose="00000500000000000000" pitchFamily="2" charset="0"/>
-                      </a:endParaRPr>
-                    </a:p>
-                  </a:txBody>
-                  <a:tcPr>
-                    <a:lnL w="12700" cap="flat" cmpd="sng" algn="ctr">
-                      <a:noFill/>
-                      <a:prstDash val="solid"/>
-                      <a:round/>
-                      <a:headEnd type="none" w="med" len="med"/>
-                      <a:tailEnd type="none" w="med" len="med"/>
-                    </a:lnL>
-                    <a:lnR w="12700" cap="flat" cmpd="sng" algn="ctr">
-                      <a:noFill/>
-                      <a:prstDash val="solid"/>
-                      <a:round/>
-                      <a:headEnd type="none" w="med" len="med"/>
-                      <a:tailEnd type="none" w="med" len="med"/>
-                    </a:lnR>
-                    <a:lnT w="12700" cap="flat" cmpd="sng" algn="ctr">
-                      <a:noFill/>
-                      <a:prstDash val="solid"/>
-                      <a:round/>
-                      <a:headEnd type="none" w="med" len="med"/>
-                      <a:tailEnd type="none" w="med" len="med"/>
-                    </a:lnT>
-                    <a:lnB w="12700" cap="flat" cmpd="sng" algn="ctr">
-                      <a:noFill/>
-                      <a:prstDash val="solid"/>
-                      <a:round/>
-                      <a:headEnd type="none" w="med" len="med"/>
-                      <a:tailEnd type="none" w="med" len="med"/>
-                    </a:lnB>
-                    <a:lnTlToBr w="12700" cmpd="sng">
-                      <a:noFill/>
-                      <a:prstDash val="solid"/>
-                    </a:lnTlToBr>
-                    <a:lnBlToTr w="12700" cmpd="sng">
-                      <a:noFill/>
-                      <a:prstDash val="solid"/>
-                    </a:lnBlToTr>
-                    <a:noFill/>
-                  </a:tcPr>
-                </a:tc>
-                <a:tc>
-                  <a:txBody>
-                    <a:bodyPr/>
-                    <a:lstStyle/>
-                    <a:p>
-                      <a:pPr marL="285750" indent="-285750" algn="l">
-                        <a:buFontTx/>
-                        <a:buChar char="-"/>
-                      </a:pPr>
-                      <a:r>
-                        <a:rPr lang="de-DE" sz="2000" b="0" kern="1200" dirty="0">
-                          <a:solidFill>
-                            <a:schemeClr val="dk1"/>
-                          </a:solidFill>
-                          <a:effectLst/>
-                          <a:latin typeface="Tenorite" panose="00000500000000000000" pitchFamily="2" charset="0"/>
-                          <a:ea typeface="+mn-ea"/>
-                          <a:cs typeface="+mn-cs"/>
-                        </a:rPr>
-                        <a:t>Sample </a:t>
-                      </a:r>
-                      <a:r>
-                        <a:rPr lang="de-DE" sz="2000" b="0" kern="1200" dirty="0" err="1">
-                          <a:solidFill>
-                            <a:schemeClr val="dk1"/>
-                          </a:solidFill>
-                          <a:effectLst/>
-                          <a:latin typeface="Tenorite" panose="00000500000000000000" pitchFamily="2" charset="0"/>
-                          <a:ea typeface="+mn-ea"/>
-                          <a:cs typeface="+mn-cs"/>
-                        </a:rPr>
-                        <a:t>Record</a:t>
-                      </a:r>
-                      <a:endParaRPr lang="de-DE" sz="2000" b="0" kern="1200" dirty="0">
-                        <a:solidFill>
-                          <a:schemeClr val="dk1"/>
-                        </a:solidFill>
-                        <a:effectLst/>
-                        <a:latin typeface="Tenorite" panose="00000500000000000000" pitchFamily="2" charset="0"/>
-                        <a:ea typeface="+mn-ea"/>
-                        <a:cs typeface="+mn-cs"/>
-                      </a:endParaRPr>
-                    </a:p>
-                    <a:p>
-                      <a:pPr marL="285750" indent="-285750" algn="l">
-                        <a:buFontTx/>
-                        <a:buChar char="-"/>
-                      </a:pPr>
-                      <a:r>
-                        <a:rPr lang="de-DE" sz="2000" b="0" kern="1200" dirty="0">
-                          <a:solidFill>
-                            <a:schemeClr val="dk1"/>
-                          </a:solidFill>
-                          <a:effectLst/>
-                          <a:latin typeface="Tenorite" panose="00000500000000000000" pitchFamily="2" charset="0"/>
-                          <a:ea typeface="+mn-ea"/>
-                          <a:cs typeface="+mn-cs"/>
-                        </a:rPr>
-                        <a:t>Sample Playback</a:t>
-                      </a:r>
-                    </a:p>
-                    <a:p>
-                      <a:pPr marL="285750" indent="-285750" algn="l">
-                        <a:buFontTx/>
-                        <a:buChar char="-"/>
-                      </a:pPr>
-                      <a:r>
-                        <a:rPr lang="de-DE" sz="2000" b="0" kern="1200" dirty="0">
-                          <a:solidFill>
-                            <a:schemeClr val="dk1"/>
-                          </a:solidFill>
-                          <a:effectLst/>
-                          <a:latin typeface="Tenorite" panose="00000500000000000000" pitchFamily="2" charset="0"/>
-                          <a:ea typeface="+mn-ea"/>
-                          <a:cs typeface="+mn-cs"/>
-                        </a:rPr>
-                        <a:t>Fader</a:t>
-                      </a:r>
-                    </a:p>
-                    <a:p>
-                      <a:pPr marL="285750" indent="-285750" algn="l">
-                        <a:buFontTx/>
-                        <a:buChar char="-"/>
-                      </a:pPr>
-                      <a:r>
-                        <a:rPr lang="de-DE" sz="2000" b="0" kern="1200" dirty="0" err="1">
-                          <a:solidFill>
-                            <a:schemeClr val="dk1"/>
-                          </a:solidFill>
-                          <a:effectLst/>
-                          <a:latin typeface="Tenorite" panose="00000500000000000000" pitchFamily="2" charset="0"/>
-                          <a:ea typeface="+mn-ea"/>
-                          <a:cs typeface="+mn-cs"/>
-                        </a:rPr>
-                        <a:t>LearnData</a:t>
-                      </a:r>
-                      <a:r>
-                        <a:rPr lang="de-DE" sz="2000" b="0" kern="1200" dirty="0">
-                          <a:solidFill>
-                            <a:schemeClr val="dk1"/>
-                          </a:solidFill>
-                          <a:effectLst/>
-                          <a:latin typeface="Tenorite" panose="00000500000000000000" pitchFamily="2" charset="0"/>
-                          <a:ea typeface="+mn-ea"/>
-                          <a:cs typeface="+mn-cs"/>
-                        </a:rPr>
-                        <a:t> Generation (Aufbereitung der Lerndaten)</a:t>
-                      </a:r>
-                    </a:p>
-                    <a:p>
-                      <a:pPr marL="285750" indent="-285750" algn="l">
-                        <a:buFontTx/>
-                        <a:buChar char="-"/>
-                      </a:pPr>
-                      <a:r>
-                        <a:rPr lang="de-DE" sz="2000" b="0" kern="1200" dirty="0">
-                          <a:solidFill>
-                            <a:schemeClr val="dk1"/>
-                          </a:solidFill>
-                          <a:effectLst/>
-                          <a:latin typeface="Tenorite" panose="00000500000000000000" pitchFamily="2" charset="0"/>
-                          <a:ea typeface="+mn-ea"/>
-                          <a:cs typeface="+mn-cs"/>
-                        </a:rPr>
-                        <a:t>Integration </a:t>
-                      </a:r>
-                      <a:r>
-                        <a:rPr lang="de-DE" sz="2000" b="0" kern="1200" dirty="0" err="1">
-                          <a:solidFill>
-                            <a:schemeClr val="dk1"/>
-                          </a:solidFill>
-                          <a:effectLst/>
-                          <a:latin typeface="Tenorite" panose="00000500000000000000" pitchFamily="2" charset="0"/>
-                          <a:ea typeface="+mn-ea"/>
-                          <a:cs typeface="+mn-cs"/>
-                        </a:rPr>
-                        <a:t>Eurorack</a:t>
-                      </a:r>
-                      <a:r>
-                        <a:rPr lang="de-DE" sz="2000" b="0" kern="1200" dirty="0">
-                          <a:solidFill>
-                            <a:schemeClr val="dk1"/>
-                          </a:solidFill>
-                          <a:effectLst/>
-                          <a:latin typeface="Tenorite" panose="00000500000000000000" pitchFamily="2" charset="0"/>
-                          <a:ea typeface="+mn-ea"/>
-                          <a:cs typeface="+mn-cs"/>
-                        </a:rPr>
-                        <a:t> Standard (elektronisch sowie baulich)</a:t>
-                      </a:r>
-                    </a:p>
-                    <a:p>
-                      <a:pPr marL="285750" indent="-285750" algn="l">
-                        <a:buFontTx/>
-                        <a:buChar char="-"/>
-                      </a:pPr>
-                      <a:r>
-                        <a:rPr lang="de-DE" sz="2000" b="0" kern="1200" dirty="0">
-                          <a:solidFill>
-                            <a:schemeClr val="dk1"/>
-                          </a:solidFill>
-                          <a:effectLst/>
-                          <a:latin typeface="Tenorite" panose="00000500000000000000" pitchFamily="2" charset="0"/>
-                          <a:ea typeface="+mn-ea"/>
-                          <a:cs typeface="+mn-cs"/>
-                        </a:rPr>
-                        <a:t>Hardware Design</a:t>
-                      </a:r>
-                    </a:p>
-                    <a:p>
-                      <a:pPr algn="l"/>
-                      <a:endParaRPr lang="de-DE" sz="2000" dirty="0">
-                        <a:solidFill>
-                          <a:schemeClr val="tx1">
-                            <a:lumMod val="85000"/>
-                            <a:lumOff val="15000"/>
-                          </a:schemeClr>
-                        </a:solidFill>
-                        <a:effectLst/>
-                        <a:latin typeface="Tenorite" panose="00000500000000000000" pitchFamily="2" charset="0"/>
-                      </a:endParaRPr>
-                    </a:p>
-                  </a:txBody>
-                  <a:tcPr>
-                    <a:lnL w="12700" cap="flat" cmpd="sng" algn="ctr">
-                      <a:noFill/>
-                      <a:prstDash val="solid"/>
-                      <a:round/>
-                      <a:headEnd type="none" w="med" len="med"/>
-                      <a:tailEnd type="none" w="med" len="med"/>
-                    </a:lnL>
-                    <a:lnR w="12700" cap="flat" cmpd="sng" algn="ctr">
-                      <a:noFill/>
-                      <a:prstDash val="solid"/>
-                      <a:round/>
-                      <a:headEnd type="none" w="med" len="med"/>
-                      <a:tailEnd type="none" w="med" len="med"/>
-                    </a:lnR>
-                    <a:lnT w="12700" cap="flat" cmpd="sng" algn="ctr">
-                      <a:noFill/>
-                      <a:prstDash val="solid"/>
-                      <a:round/>
-                      <a:headEnd type="none" w="med" len="med"/>
-                      <a:tailEnd type="none" w="med" len="med"/>
-                    </a:lnT>
-                    <a:lnB w="12700" cap="flat" cmpd="sng" algn="ctr">
-                      <a:noFill/>
-                      <a:prstDash val="solid"/>
-                      <a:round/>
-                      <a:headEnd type="none" w="med" len="med"/>
-                      <a:tailEnd type="none" w="med" len="med"/>
-                    </a:lnB>
-                    <a:lnTlToBr w="12700" cmpd="sng">
-                      <a:noFill/>
-                      <a:prstDash val="solid"/>
-                    </a:lnTlToBr>
-                    <a:lnBlToTr w="12700" cmpd="sng">
-                      <a:noFill/>
-                      <a:prstDash val="solid"/>
-                    </a:lnBlToTr>
-                    <a:noFill/>
-                  </a:tcPr>
-                </a:tc>
-                <a:extLst>
-                  <a:ext uri="{0D108BD9-81ED-4DB2-BD59-A6C34878D82A}">
-                    <a16:rowId xmlns:a16="http://schemas.microsoft.com/office/drawing/2014/main" val="2260711390"/>
-                  </a:ext>
-                </a:extLst>
-              </a:tr>
-            </a:tbl>
-          </a:graphicData>
-        </a:graphic>
-      </p:graphicFrame>
-      <p:pic>
-        <p:nvPicPr>
-          <p:cNvPr id="9" name="Grafik 8">
-            <a:extLst>
-              <a:ext uri="{FF2B5EF4-FFF2-40B4-BE49-F238E27FC236}">
-                <a16:creationId xmlns:a16="http://schemas.microsoft.com/office/drawing/2014/main" id="{B35F3F60-8F6C-8984-96F0-321D495E0DD9}"/>
-              </a:ext>
-            </a:extLst>
-          </p:cNvPr>
-          <p:cNvPicPr>
-            <a:picLocks noChangeAspect="1"/>
-          </p:cNvPicPr>
-          <p:nvPr/>
-        </p:nvPicPr>
-        <p:blipFill>
-          <a:blip r:embed="rId3">
-            <a:extLst>
-              <a:ext uri="{28A0092B-C50C-407E-A947-70E740481C1C}">
-                <a14:useLocalDpi xmlns:a14="http://schemas.microsoft.com/office/drawing/2010/main" val="0"/>
-              </a:ext>
-              <a:ext uri="{96DAC541-7B7A-43D3-8B79-37D633B846F1}">
-                <asvg:svgBlip xmlns:asvg="http://schemas.microsoft.com/office/drawing/2016/SVG/main" r:embed="rId4"/>
-              </a:ext>
-            </a:extLst>
-          </a:blip>
-          <a:stretch>
-            <a:fillRect/>
-          </a:stretch>
-        </p:blipFill>
-        <p:spPr>
-          <a:xfrm>
-            <a:off x="737470" y="1907890"/>
-            <a:ext cx="749665" cy="749665"/>
-          </a:xfrm>
-          <a:prstGeom prst="rect">
-            <a:avLst/>
-          </a:prstGeom>
-        </p:spPr>
-      </p:pic>
-      <p:pic>
-        <p:nvPicPr>
-          <p:cNvPr id="11" name="Grafik 10">
-            <a:extLst>
-              <a:ext uri="{FF2B5EF4-FFF2-40B4-BE49-F238E27FC236}">
-                <a16:creationId xmlns:a16="http://schemas.microsoft.com/office/drawing/2014/main" id="{68A64AD9-9BCB-5ADA-E5FF-E902D595C47C}"/>
-              </a:ext>
-            </a:extLst>
-          </p:cNvPr>
-          <p:cNvPicPr>
-            <a:picLocks noChangeAspect="1"/>
-          </p:cNvPicPr>
-          <p:nvPr/>
-        </p:nvPicPr>
-        <p:blipFill>
-          <a:blip r:embed="rId5">
-            <a:extLst>
-              <a:ext uri="{28A0092B-C50C-407E-A947-70E740481C1C}">
-                <a14:useLocalDpi xmlns:a14="http://schemas.microsoft.com/office/drawing/2010/main" val="0"/>
-              </a:ext>
-              <a:ext uri="{96DAC541-7B7A-43D3-8B79-37D633B846F1}">
-                <asvg:svgBlip xmlns:asvg="http://schemas.microsoft.com/office/drawing/2016/SVG/main" r:embed="rId6"/>
-              </a:ext>
-            </a:extLst>
-          </a:blip>
-          <a:stretch>
-            <a:fillRect/>
-          </a:stretch>
-        </p:blipFill>
-        <p:spPr>
-          <a:xfrm>
-            <a:off x="4278234" y="1891519"/>
-            <a:ext cx="766036" cy="766036"/>
-          </a:xfrm>
-          <a:prstGeom prst="rect">
-            <a:avLst/>
-          </a:prstGeom>
-        </p:spPr>
-      </p:pic>
-      <p:pic>
-        <p:nvPicPr>
-          <p:cNvPr id="13" name="Grafik 12">
-            <a:extLst>
-              <a:ext uri="{FF2B5EF4-FFF2-40B4-BE49-F238E27FC236}">
-                <a16:creationId xmlns:a16="http://schemas.microsoft.com/office/drawing/2014/main" id="{4F77458C-CC5D-1D17-DAD7-99CE4E1ACA7A}"/>
-              </a:ext>
-            </a:extLst>
-          </p:cNvPr>
-          <p:cNvPicPr>
-            <a:picLocks noChangeAspect="1"/>
-          </p:cNvPicPr>
-          <p:nvPr/>
-        </p:nvPicPr>
-        <p:blipFill>
-          <a:blip r:embed="rId7">
-            <a:extLst>
-              <a:ext uri="{28A0092B-C50C-407E-A947-70E740481C1C}">
-                <a14:useLocalDpi xmlns:a14="http://schemas.microsoft.com/office/drawing/2010/main" val="0"/>
-              </a:ext>
-              <a:ext uri="{96DAC541-7B7A-43D3-8B79-37D633B846F1}">
-                <asvg:svgBlip xmlns:asvg="http://schemas.microsoft.com/office/drawing/2016/SVG/main" r:embed="rId8"/>
-              </a:ext>
-            </a:extLst>
-          </a:blip>
-          <a:stretch>
-            <a:fillRect/>
-          </a:stretch>
-        </p:blipFill>
-        <p:spPr>
-          <a:xfrm>
-            <a:off x="7753033" y="1973580"/>
-            <a:ext cx="683975" cy="683975"/>
-          </a:xfrm>
-          <a:prstGeom prst="rect">
-            <a:avLst/>
-          </a:prstGeom>
-        </p:spPr>
-      </p:pic>
-    </p:spTree>
-    <p:extLst>
-      <p:ext uri="{BB962C8B-B14F-4D97-AF65-F5344CB8AC3E}">
-        <p14:creationId xmlns:p14="http://schemas.microsoft.com/office/powerpoint/2010/main" val="579821906"/>
-      </p:ext>
-    </p:extLst>
-  </p:cSld>
-  <p:clrMapOvr>
-    <a:masterClrMapping/>
-  </p:clrMapOvr>
-</p:sld>
-</file>
-
-<file path=ppt/slides/slide5.xml><?xml version="1.0" encoding="utf-8"?>
-<p:sld xmlns:a="http://schemas.openxmlformats.org/drawingml/2006/main" xmlns:r="http://schemas.openxmlformats.org/officeDocument/2006/relationships" xmlns:p="http://schemas.openxmlformats.org/presentationml/2006/main">
-  <p:cSld>
-    <p:spTree>
-      <p:nvGrpSpPr>
-        <p:cNvPr id="1" name=""/>
-        <p:cNvGrpSpPr/>
-        <p:nvPr/>
-      </p:nvGrpSpPr>
-      <p:grpSpPr>
-        <a:xfrm>
-          <a:off x="0" y="0"/>
-          <a:ext cx="0" cy="0"/>
-          <a:chOff x="0" y="0"/>
-          <a:chExt cx="0" cy="0"/>
-        </a:xfrm>
-      </p:grpSpPr>
-      <p:sp>
-        <p:nvSpPr>
-          <p:cNvPr id="10" name="Titel 9">
-            <a:extLst>
-              <a:ext uri="{FF2B5EF4-FFF2-40B4-BE49-F238E27FC236}">
-                <a16:creationId xmlns:a16="http://schemas.microsoft.com/office/drawing/2014/main" id="{C83F7908-01E5-282B-8937-9973E9F708E4}"/>
-              </a:ext>
-            </a:extLst>
-          </p:cNvPr>
-          <p:cNvSpPr>
-            <a:spLocks noGrp="1"/>
-          </p:cNvSpPr>
-          <p:nvPr>
-            <p:ph type="title"/>
-          </p:nvPr>
-        </p:nvSpPr>
-        <p:spPr/>
-        <p:txBody>
-          <a:bodyPr/>
-          <a:lstStyle/>
-          <a:p>
-            <a:r>
-              <a:rPr lang="en-US" dirty="0" err="1"/>
-              <a:t>Ergebnis</a:t>
-            </a:r>
-            <a:endParaRPr lang="de-DE" dirty="0"/>
-          </a:p>
-        </p:txBody>
-      </p:sp>
-      <p:sp>
-        <p:nvSpPr>
-          <p:cNvPr id="3" name="Inhaltsplatzhalter 2">
-            <a:extLst>
-              <a:ext uri="{FF2B5EF4-FFF2-40B4-BE49-F238E27FC236}">
-                <a16:creationId xmlns:a16="http://schemas.microsoft.com/office/drawing/2014/main" id="{68EDEB2C-8309-B837-9B1F-E2E14DB75030}"/>
-              </a:ext>
-            </a:extLst>
-          </p:cNvPr>
-          <p:cNvSpPr>
-            <a:spLocks noGrp="1"/>
-          </p:cNvSpPr>
-          <p:nvPr>
-            <p:ph idx="1"/>
-          </p:nvPr>
-        </p:nvSpPr>
-        <p:spPr>
-          <a:xfrm>
-            <a:off x="1004479" y="2092324"/>
-            <a:ext cx="9701621" cy="3752851"/>
-          </a:xfrm>
-        </p:spPr>
-        <p:txBody>
-          <a:bodyPr>
-            <a:normAutofit/>
-          </a:bodyPr>
-          <a:lstStyle/>
-          <a:p>
-            <a:r>
-              <a:rPr lang="de-DE" dirty="0"/>
-              <a:t>Kurz auf den aktuellen Stand eingehen – wir haben mangels Zeit nicht geschafft alles umzusetzen, </a:t>
-            </a:r>
-            <a:r>
-              <a:rPr lang="de-DE" dirty="0" err="1"/>
-              <a:t>bla</a:t>
-            </a:r>
-            <a:r>
-              <a:rPr lang="de-DE" dirty="0"/>
-              <a:t> </a:t>
-            </a:r>
-            <a:r>
-              <a:rPr lang="de-DE" dirty="0" err="1"/>
-              <a:t>bla</a:t>
-            </a:r>
-            <a:r>
-              <a:rPr lang="de-DE" dirty="0"/>
-              <a:t> </a:t>
-            </a:r>
-          </a:p>
-          <a:p>
-            <a:r>
-              <a:rPr lang="de-DE" dirty="0"/>
-              <a:t>=&gt; im Detail wird das in jedem Themenbereich auf den folgenden Folien erläutert</a:t>
-            </a:r>
-          </a:p>
-          <a:p>
-            <a:endParaRPr lang="de-DE" dirty="0"/>
-          </a:p>
-        </p:txBody>
-      </p:sp>
-    </p:spTree>
-    <p:extLst>
-      <p:ext uri="{BB962C8B-B14F-4D97-AF65-F5344CB8AC3E}">
-        <p14:creationId xmlns:p14="http://schemas.microsoft.com/office/powerpoint/2010/main" val="357275312"/>
-      </p:ext>
-    </p:extLst>
-  </p:cSld>
-  <p:clrMapOvr>
-    <a:masterClrMapping/>
-  </p:clrMapOvr>
-</p:sld>
-</file>
-
-<file path=ppt/slides/slide6.xml><?xml version="1.0" encoding="utf-8"?>
-<p:sld xmlns:a="http://schemas.openxmlformats.org/drawingml/2006/main" xmlns:r="http://schemas.openxmlformats.org/officeDocument/2006/relationships" xmlns:p="http://schemas.openxmlformats.org/presentationml/2006/main">
-  <p:cSld>
-    <p:spTree>
-      <p:nvGrpSpPr>
-        <p:cNvPr id="1" name=""/>
-        <p:cNvGrpSpPr/>
-        <p:nvPr/>
-      </p:nvGrpSpPr>
-      <p:grpSpPr>
-        <a:xfrm>
-          <a:off x="0" y="0"/>
-          <a:ext cx="0" cy="0"/>
-          <a:chOff x="0" y="0"/>
-          <a:chExt cx="0" cy="0"/>
-        </a:xfrm>
-      </p:grpSpPr>
-      <p:sp>
-        <p:nvSpPr>
-          <p:cNvPr id="10" name="Titel 9">
-            <a:extLst>
-              <a:ext uri="{FF2B5EF4-FFF2-40B4-BE49-F238E27FC236}">
-                <a16:creationId xmlns:a16="http://schemas.microsoft.com/office/drawing/2014/main" id="{C83F7908-01E5-282B-8937-9973E9F708E4}"/>
-              </a:ext>
-            </a:extLst>
-          </p:cNvPr>
-          <p:cNvSpPr>
-            <a:spLocks noGrp="1"/>
-          </p:cNvSpPr>
-          <p:nvPr>
-            <p:ph type="title"/>
-          </p:nvPr>
-        </p:nvSpPr>
-        <p:spPr/>
-        <p:txBody>
-          <a:bodyPr/>
-          <a:lstStyle/>
-          <a:p>
-            <a:r>
-              <a:rPr lang="en-US" dirty="0"/>
-              <a:t>Jonas</a:t>
-            </a:r>
-            <a:endParaRPr lang="de-DE" dirty="0"/>
-          </a:p>
-        </p:txBody>
-      </p:sp>
-      <p:graphicFrame>
-        <p:nvGraphicFramePr>
-          <p:cNvPr id="5" name="Inhaltsplatzhalter 4">
-            <a:extLst>
-              <a:ext uri="{FF2B5EF4-FFF2-40B4-BE49-F238E27FC236}">
-                <a16:creationId xmlns:a16="http://schemas.microsoft.com/office/drawing/2014/main" id="{ABD05088-1253-9FCC-8B00-7CB394148B61}"/>
-              </a:ext>
-            </a:extLst>
-          </p:cNvPr>
-          <p:cNvGraphicFramePr>
-            <a:graphicFrameLocks noGrp="1"/>
-          </p:cNvGraphicFramePr>
-          <p:nvPr>
-            <p:ph idx="1"/>
+            <p:extLst>
+              <p:ext uri="{D42A27DB-BD31-4B8C-83A1-F6EECF244321}">
+                <p14:modId xmlns:p14="http://schemas.microsoft.com/office/powerpoint/2010/main" val="596150886"/>
+              </p:ext>
+            </p:extLst>
           </p:nvPr>
         </p:nvGraphicFramePr>
         <p:xfrm>
           <a:off x="1004888" y="2092325"/>
-          <a:ext cx="3505199" cy="4588577"/>
+          <a:ext cx="3505199" cy="4893377"/>
         </p:xfrm>
         <a:graphic>
           <a:graphicData uri="http://schemas.openxmlformats.org/drawingml/2006/table">
@@ -7436,6 +6066,33 @@
                       </a:r>
                     </a:p>
                     <a:p>
+                      <a:pPr marL="285750" indent="-285750" algn="l">
+                        <a:buFontTx/>
+                        <a:buChar char="-"/>
+                      </a:pPr>
+                      <a:r>
+                        <a:rPr lang="de-DE" sz="2000" b="0" kern="1200" dirty="0" err="1">
+                          <a:solidFill>
+                            <a:schemeClr val="dk1"/>
+                          </a:solidFill>
+                          <a:effectLst/>
+                          <a:latin typeface="Tenorite" panose="00000500000000000000" pitchFamily="2" charset="0"/>
+                          <a:ea typeface="+mn-ea"/>
+                          <a:cs typeface="+mn-cs"/>
+                        </a:rPr>
+                        <a:t>Resampling</a:t>
+                      </a:r>
+                      <a:endParaRPr lang="de-DE" sz="2000" b="0" kern="1200" dirty="0">
+                        <a:solidFill>
+                          <a:schemeClr val="dk1"/>
+                        </a:solidFill>
+                        <a:effectLst/>
+                        <a:latin typeface="Tenorite" panose="00000500000000000000" pitchFamily="2" charset="0"/>
+                        <a:ea typeface="+mn-ea"/>
+                        <a:cs typeface="+mn-cs"/>
+                      </a:endParaRPr>
+                    </a:p>
+                    <a:p>
                       <a:pPr algn="l"/>
                       <a:endParaRPr lang="de-DE" sz="2000" dirty="0">
                         <a:solidFill>
@@ -7512,7 +6169,7 @@
 </p:sld>
 </file>
 
-<file path=ppt/slides/slide7.xml><?xml version="1.0" encoding="utf-8"?>
+<file path=ppt/slides/slide12.xml><?xml version="1.0" encoding="utf-8"?>
 <p:sld xmlns:a="http://schemas.openxmlformats.org/drawingml/2006/main" xmlns:r="http://schemas.openxmlformats.org/officeDocument/2006/relationships" xmlns:p="http://schemas.openxmlformats.org/presentationml/2006/main">
   <p:cSld>
     <p:spTree>
@@ -7907,6 +6564,1671 @@
 </p:sld>
 </file>
 
+<file path=ppt/slides/slide13.xml><?xml version="1.0" encoding="utf-8"?>
+<p:sld xmlns:a="http://schemas.openxmlformats.org/drawingml/2006/main" xmlns:r="http://schemas.openxmlformats.org/officeDocument/2006/relationships" xmlns:p="http://schemas.openxmlformats.org/presentationml/2006/main">
+  <p:cSld>
+    <p:spTree>
+      <p:nvGrpSpPr>
+        <p:cNvPr id="1" name=""/>
+        <p:cNvGrpSpPr/>
+        <p:nvPr/>
+      </p:nvGrpSpPr>
+      <p:grpSpPr>
+        <a:xfrm>
+          <a:off x="0" y="0"/>
+          <a:ext cx="0" cy="0"/>
+          <a:chOff x="0" y="0"/>
+          <a:chExt cx="0" cy="0"/>
+        </a:xfrm>
+      </p:grpSpPr>
+      <p:sp>
+        <p:nvSpPr>
+          <p:cNvPr id="10" name="Titel 9">
+            <a:extLst>
+              <a:ext uri="{FF2B5EF4-FFF2-40B4-BE49-F238E27FC236}">
+                <a16:creationId xmlns:a16="http://schemas.microsoft.com/office/drawing/2014/main" id="{C83F7908-01E5-282B-8937-9973E9F708E4}"/>
+              </a:ext>
+            </a:extLst>
+          </p:cNvPr>
+          <p:cNvSpPr>
+            <a:spLocks noGrp="1"/>
+          </p:cNvSpPr>
+          <p:nvPr>
+            <p:ph type="title"/>
+          </p:nvPr>
+        </p:nvSpPr>
+        <p:spPr/>
+        <p:txBody>
+          <a:bodyPr/>
+          <a:lstStyle/>
+          <a:p>
+            <a:r>
+              <a:rPr lang="en-US" dirty="0"/>
+              <a:t>Lessons Learned &amp; </a:t>
+            </a:r>
+            <a:r>
+              <a:rPr lang="en-US" dirty="0" err="1"/>
+              <a:t>Fazit</a:t>
+            </a:r>
+            <a:endParaRPr lang="de-DE" dirty="0"/>
+          </a:p>
+        </p:txBody>
+      </p:sp>
+      <p:sp>
+        <p:nvSpPr>
+          <p:cNvPr id="3" name="Inhaltsplatzhalter 2">
+            <a:extLst>
+              <a:ext uri="{FF2B5EF4-FFF2-40B4-BE49-F238E27FC236}">
+                <a16:creationId xmlns:a16="http://schemas.microsoft.com/office/drawing/2014/main" id="{68EDEB2C-8309-B837-9B1F-E2E14DB75030}"/>
+              </a:ext>
+            </a:extLst>
+          </p:cNvPr>
+          <p:cNvSpPr>
+            <a:spLocks noGrp="1"/>
+          </p:cNvSpPr>
+          <p:nvPr>
+            <p:ph idx="1"/>
+          </p:nvPr>
+        </p:nvSpPr>
+        <p:spPr>
+          <a:xfrm>
+            <a:off x="1004479" y="2092324"/>
+            <a:ext cx="9701621" cy="3752851"/>
+          </a:xfrm>
+        </p:spPr>
+        <p:txBody>
+          <a:bodyPr>
+            <a:normAutofit fontScale="92500"/>
+          </a:bodyPr>
+          <a:lstStyle/>
+          <a:p>
+            <a:r>
+              <a:rPr lang="de-DE" dirty="0"/>
+              <a:t>Ein F7 Board war zu wenig</a:t>
+            </a:r>
+          </a:p>
+          <a:p>
+            <a:r>
+              <a:rPr lang="de-DE" dirty="0"/>
+              <a:t>Ein Teammitglied mehr wäre hilfreich gewesen</a:t>
+            </a:r>
+          </a:p>
+          <a:p>
+            <a:r>
+              <a:rPr lang="de-DE" dirty="0"/>
+              <a:t>Zu viel vorgenommen, Anforderungen konnten nur zum Teil umgesetzt werden</a:t>
+            </a:r>
+          </a:p>
+          <a:p>
+            <a:r>
+              <a:rPr lang="de-DE" dirty="0"/>
+              <a:t>Einarbeitung in neue Technologien hat viel Zeitaufwand benötigt</a:t>
+            </a:r>
+          </a:p>
+          <a:p>
+            <a:r>
+              <a:rPr lang="de-DE" dirty="0"/>
+              <a:t>Aber: Viel Erfahrung gesammelt und Kenntnisse angeeignet</a:t>
+            </a:r>
+          </a:p>
+          <a:p>
+            <a:r>
+              <a:rPr lang="de-DE" dirty="0"/>
+              <a:t>Wertvolle Einblicke in </a:t>
+            </a:r>
+            <a:r>
+              <a:rPr lang="de-DE" dirty="0" err="1"/>
+              <a:t>Cube.AI</a:t>
+            </a:r>
+            <a:r>
+              <a:rPr lang="de-DE" dirty="0"/>
+              <a:t> bekommen (Leon)</a:t>
+            </a:r>
+          </a:p>
+          <a:p>
+            <a:r>
+              <a:rPr lang="de-DE" dirty="0"/>
+              <a:t>Motivation dazu, das Projekt privat fertig zu stellen</a:t>
+            </a:r>
+          </a:p>
+        </p:txBody>
+      </p:sp>
+    </p:spTree>
+    <p:extLst>
+      <p:ext uri="{BB962C8B-B14F-4D97-AF65-F5344CB8AC3E}">
+        <p14:creationId xmlns:p14="http://schemas.microsoft.com/office/powerpoint/2010/main" val="2604290361"/>
+      </p:ext>
+    </p:extLst>
+  </p:cSld>
+  <p:clrMapOvr>
+    <a:masterClrMapping/>
+  </p:clrMapOvr>
+</p:sld>
+</file>
+
+<file path=ppt/slides/slide14.xml><?xml version="1.0" encoding="utf-8"?>
+<p:sld xmlns:a="http://schemas.openxmlformats.org/drawingml/2006/main" xmlns:r="http://schemas.openxmlformats.org/officeDocument/2006/relationships" xmlns:p="http://schemas.openxmlformats.org/presentationml/2006/main">
+  <p:cSld>
+    <p:spTree>
+      <p:nvGrpSpPr>
+        <p:cNvPr id="1" name=""/>
+        <p:cNvGrpSpPr/>
+        <p:nvPr/>
+      </p:nvGrpSpPr>
+      <p:grpSpPr>
+        <a:xfrm>
+          <a:off x="0" y="0"/>
+          <a:ext cx="0" cy="0"/>
+          <a:chOff x="0" y="0"/>
+          <a:chExt cx="0" cy="0"/>
+        </a:xfrm>
+      </p:grpSpPr>
+      <p:sp>
+        <p:nvSpPr>
+          <p:cNvPr id="2" name="Titel 1">
+            <a:extLst>
+              <a:ext uri="{FF2B5EF4-FFF2-40B4-BE49-F238E27FC236}">
+                <a16:creationId xmlns:a16="http://schemas.microsoft.com/office/drawing/2014/main" id="{BD4746A3-04B7-BC14-3A69-90A2123A06C7}"/>
+              </a:ext>
+            </a:extLst>
+          </p:cNvPr>
+          <p:cNvSpPr>
+            <a:spLocks noGrp="1"/>
+          </p:cNvSpPr>
+          <p:nvPr>
+            <p:ph type="title"/>
+          </p:nvPr>
+        </p:nvSpPr>
+        <p:spPr>
+          <a:xfrm>
+            <a:off x="838200" y="365125"/>
+            <a:ext cx="10515600" cy="5483225"/>
+          </a:xfrm>
+        </p:spPr>
+        <p:txBody>
+          <a:bodyPr/>
+          <a:lstStyle/>
+          <a:p>
+            <a:pPr algn="ctr"/>
+            <a:r>
+              <a:rPr lang="en-US" dirty="0" err="1"/>
+              <a:t>Vielen</a:t>
+            </a:r>
+            <a:r>
+              <a:rPr lang="en-US" dirty="0"/>
+              <a:t> Dank für </a:t>
+            </a:r>
+            <a:r>
+              <a:rPr lang="en-US" dirty="0" err="1"/>
+              <a:t>eure</a:t>
+            </a:r>
+            <a:r>
+              <a:rPr lang="en-US" dirty="0"/>
+              <a:t> </a:t>
+            </a:r>
+            <a:r>
+              <a:rPr lang="en-US" dirty="0" err="1"/>
+              <a:t>Aufmerksamkeit</a:t>
+            </a:r>
+            <a:br>
+              <a:rPr lang="en-US" dirty="0"/>
+            </a:br>
+            <a:br>
+              <a:rPr lang="en-US" dirty="0"/>
+            </a:br>
+            <a:r>
+              <a:rPr lang="en-US" sz="4400" dirty="0"/>
+              <a:t>Happy Patching!</a:t>
+            </a:r>
+            <a:endParaRPr lang="de-DE" sz="4400" dirty="0"/>
+          </a:p>
+        </p:txBody>
+      </p:sp>
+    </p:spTree>
+    <p:extLst>
+      <p:ext uri="{BB962C8B-B14F-4D97-AF65-F5344CB8AC3E}">
+        <p14:creationId xmlns:p14="http://schemas.microsoft.com/office/powerpoint/2010/main" val="1311226668"/>
+      </p:ext>
+    </p:extLst>
+  </p:cSld>
+  <p:clrMapOvr>
+    <a:masterClrMapping/>
+  </p:clrMapOvr>
+</p:sld>
+</file>
+
+<file path=ppt/slides/slide2.xml><?xml version="1.0" encoding="utf-8"?>
+<p:sld xmlns:a="http://schemas.openxmlformats.org/drawingml/2006/main" xmlns:r="http://schemas.openxmlformats.org/officeDocument/2006/relationships" xmlns:p="http://schemas.openxmlformats.org/presentationml/2006/main">
+  <p:cSld>
+    <p:spTree>
+      <p:nvGrpSpPr>
+        <p:cNvPr id="1" name=""/>
+        <p:cNvGrpSpPr/>
+        <p:nvPr/>
+      </p:nvGrpSpPr>
+      <p:grpSpPr>
+        <a:xfrm>
+          <a:off x="0" y="0"/>
+          <a:ext cx="0" cy="0"/>
+          <a:chOff x="0" y="0"/>
+          <a:chExt cx="0" cy="0"/>
+        </a:xfrm>
+      </p:grpSpPr>
+      <p:sp>
+        <p:nvSpPr>
+          <p:cNvPr id="2" name="Titel 1">
+            <a:extLst>
+              <a:ext uri="{FF2B5EF4-FFF2-40B4-BE49-F238E27FC236}">
+                <a16:creationId xmlns:a16="http://schemas.microsoft.com/office/drawing/2014/main" id="{04FEBB6E-A311-E859-003C-A01DA187CD57}"/>
+              </a:ext>
+            </a:extLst>
+          </p:cNvPr>
+          <p:cNvSpPr>
+            <a:spLocks noGrp="1"/>
+          </p:cNvSpPr>
+          <p:nvPr>
+            <p:ph type="title"/>
+          </p:nvPr>
+        </p:nvSpPr>
+        <p:spPr/>
+        <p:txBody>
+          <a:bodyPr/>
+          <a:lstStyle/>
+          <a:p>
+            <a:r>
+              <a:rPr lang="en-US" dirty="0" err="1"/>
+              <a:t>Initiale</a:t>
+            </a:r>
+            <a:r>
+              <a:rPr lang="en-US" dirty="0"/>
+              <a:t> </a:t>
+            </a:r>
+            <a:r>
+              <a:rPr lang="en-US" dirty="0" err="1"/>
+              <a:t>Anforderungen</a:t>
+            </a:r>
+            <a:endParaRPr lang="de-DE" dirty="0">
+              <a:solidFill>
+                <a:srgbClr val="FF0000"/>
+              </a:solidFill>
+            </a:endParaRPr>
+          </a:p>
+        </p:txBody>
+      </p:sp>
+      <p:sp>
+        <p:nvSpPr>
+          <p:cNvPr id="9" name="Inhaltsplatzhalter 2">
+            <a:extLst>
+              <a:ext uri="{FF2B5EF4-FFF2-40B4-BE49-F238E27FC236}">
+                <a16:creationId xmlns:a16="http://schemas.microsoft.com/office/drawing/2014/main" id="{37A39B74-9376-AB29-ADAC-7E10AE929753}"/>
+              </a:ext>
+            </a:extLst>
+          </p:cNvPr>
+          <p:cNvSpPr txBox="1">
+            <a:spLocks/>
+          </p:cNvSpPr>
+          <p:nvPr/>
+        </p:nvSpPr>
+        <p:spPr>
+          <a:xfrm>
+            <a:off x="4486275" y="2008187"/>
+            <a:ext cx="6991350" cy="4116388"/>
+          </a:xfrm>
+          <a:prstGeom prst="rect">
+            <a:avLst/>
+          </a:prstGeom>
+        </p:spPr>
+        <p:txBody>
+          <a:bodyPr vert="horz" lIns="91440" tIns="45720" rIns="91440" bIns="45720" rtlCol="0">
+            <a:normAutofit/>
+          </a:bodyPr>
+          <a:lstStyle>
+            <a:lvl1pPr marL="228600" indent="-228600" algn="l" defTabSz="914400" rtl="0" eaLnBrk="1" latinLnBrk="0" hangingPunct="1">
+              <a:lnSpc>
+                <a:spcPct val="90000"/>
+              </a:lnSpc>
+              <a:spcBef>
+                <a:spcPts val="1000"/>
+              </a:spcBef>
+              <a:buFont typeface="Arial" panose="020B0604020202020204" pitchFamily="34" charset="0"/>
+              <a:buChar char="•"/>
+              <a:defRPr sz="2800" kern="1200">
+                <a:solidFill>
+                  <a:schemeClr val="tx1"/>
+                </a:solidFill>
+                <a:latin typeface="Tenorite" panose="00000500000000000000" pitchFamily="2" charset="0"/>
+                <a:ea typeface="+mn-ea"/>
+                <a:cs typeface="+mn-cs"/>
+              </a:defRPr>
+            </a:lvl1pPr>
+            <a:lvl2pPr marL="685800" indent="-228600" algn="l" defTabSz="914400" rtl="0" eaLnBrk="1" latinLnBrk="0" hangingPunct="1">
+              <a:lnSpc>
+                <a:spcPct val="90000"/>
+              </a:lnSpc>
+              <a:spcBef>
+                <a:spcPts val="500"/>
+              </a:spcBef>
+              <a:buFont typeface="Arial" panose="020B0604020202020204" pitchFamily="34" charset="0"/>
+              <a:buChar char="•"/>
+              <a:defRPr sz="2400" kern="1200">
+                <a:solidFill>
+                  <a:schemeClr val="tx1"/>
+                </a:solidFill>
+                <a:latin typeface="Tenorite" panose="00000500000000000000" pitchFamily="2" charset="0"/>
+                <a:ea typeface="+mn-ea"/>
+                <a:cs typeface="+mn-cs"/>
+              </a:defRPr>
+            </a:lvl2pPr>
+            <a:lvl3pPr marL="1143000" indent="-228600" algn="l" defTabSz="914400" rtl="0" eaLnBrk="1" latinLnBrk="0" hangingPunct="1">
+              <a:lnSpc>
+                <a:spcPct val="90000"/>
+              </a:lnSpc>
+              <a:spcBef>
+                <a:spcPts val="500"/>
+              </a:spcBef>
+              <a:buFont typeface="Arial" panose="020B0604020202020204" pitchFamily="34" charset="0"/>
+              <a:buChar char="•"/>
+              <a:defRPr sz="2000" kern="1200">
+                <a:solidFill>
+                  <a:schemeClr val="tx1"/>
+                </a:solidFill>
+                <a:latin typeface="Tenorite" panose="00000500000000000000" pitchFamily="2" charset="0"/>
+                <a:ea typeface="+mn-ea"/>
+                <a:cs typeface="+mn-cs"/>
+              </a:defRPr>
+            </a:lvl3pPr>
+            <a:lvl4pPr marL="1600200" indent="-228600" algn="l" defTabSz="914400" rtl="0" eaLnBrk="1" latinLnBrk="0" hangingPunct="1">
+              <a:lnSpc>
+                <a:spcPct val="90000"/>
+              </a:lnSpc>
+              <a:spcBef>
+                <a:spcPts val="500"/>
+              </a:spcBef>
+              <a:buFont typeface="Arial" panose="020B0604020202020204" pitchFamily="34" charset="0"/>
+              <a:buChar char="•"/>
+              <a:defRPr sz="1800" kern="1200">
+                <a:solidFill>
+                  <a:schemeClr val="tx1"/>
+                </a:solidFill>
+                <a:latin typeface="Tenorite" panose="00000500000000000000" pitchFamily="2" charset="0"/>
+                <a:ea typeface="+mn-ea"/>
+                <a:cs typeface="+mn-cs"/>
+              </a:defRPr>
+            </a:lvl4pPr>
+            <a:lvl5pPr marL="2057400" indent="-228600" algn="l" defTabSz="914400" rtl="0" eaLnBrk="1" latinLnBrk="0" hangingPunct="1">
+              <a:lnSpc>
+                <a:spcPct val="90000"/>
+              </a:lnSpc>
+              <a:spcBef>
+                <a:spcPts val="500"/>
+              </a:spcBef>
+              <a:buFont typeface="Arial" panose="020B0604020202020204" pitchFamily="34" charset="0"/>
+              <a:buChar char="•"/>
+              <a:defRPr sz="1800" kern="1200">
+                <a:solidFill>
+                  <a:schemeClr val="tx1"/>
+                </a:solidFill>
+                <a:latin typeface="Tenorite" panose="00000500000000000000" pitchFamily="2" charset="0"/>
+                <a:ea typeface="+mn-ea"/>
+                <a:cs typeface="+mn-cs"/>
+              </a:defRPr>
+            </a:lvl5pPr>
+            <a:lvl6pPr marL="2514600" indent="-228600" algn="l" defTabSz="914400" rtl="0" eaLnBrk="1" latinLnBrk="0" hangingPunct="1">
+              <a:lnSpc>
+                <a:spcPct val="90000"/>
+              </a:lnSpc>
+              <a:spcBef>
+                <a:spcPts val="500"/>
+              </a:spcBef>
+              <a:buFont typeface="Arial" panose="020B0604020202020204" pitchFamily="34" charset="0"/>
+              <a:buChar char="•"/>
+              <a:defRPr sz="1800" kern="1200">
+                <a:solidFill>
+                  <a:schemeClr val="tx1"/>
+                </a:solidFill>
+                <a:latin typeface="+mn-lt"/>
+                <a:ea typeface="+mn-ea"/>
+                <a:cs typeface="+mn-cs"/>
+              </a:defRPr>
+            </a:lvl6pPr>
+            <a:lvl7pPr marL="2971800" indent="-228600" algn="l" defTabSz="914400" rtl="0" eaLnBrk="1" latinLnBrk="0" hangingPunct="1">
+              <a:lnSpc>
+                <a:spcPct val="90000"/>
+              </a:lnSpc>
+              <a:spcBef>
+                <a:spcPts val="500"/>
+              </a:spcBef>
+              <a:buFont typeface="Arial" panose="020B0604020202020204" pitchFamily="34" charset="0"/>
+              <a:buChar char="•"/>
+              <a:defRPr sz="1800" kern="1200">
+                <a:solidFill>
+                  <a:schemeClr val="tx1"/>
+                </a:solidFill>
+                <a:latin typeface="+mn-lt"/>
+                <a:ea typeface="+mn-ea"/>
+                <a:cs typeface="+mn-cs"/>
+              </a:defRPr>
+            </a:lvl7pPr>
+            <a:lvl8pPr marL="3429000" indent="-228600" algn="l" defTabSz="914400" rtl="0" eaLnBrk="1" latinLnBrk="0" hangingPunct="1">
+              <a:lnSpc>
+                <a:spcPct val="90000"/>
+              </a:lnSpc>
+              <a:spcBef>
+                <a:spcPts val="500"/>
+              </a:spcBef>
+              <a:buFont typeface="Arial" panose="020B0604020202020204" pitchFamily="34" charset="0"/>
+              <a:buChar char="•"/>
+              <a:defRPr sz="1800" kern="1200">
+                <a:solidFill>
+                  <a:schemeClr val="tx1"/>
+                </a:solidFill>
+                <a:latin typeface="+mn-lt"/>
+                <a:ea typeface="+mn-ea"/>
+                <a:cs typeface="+mn-cs"/>
+              </a:defRPr>
+            </a:lvl8pPr>
+            <a:lvl9pPr marL="3886200" indent="-228600" algn="l" defTabSz="914400" rtl="0" eaLnBrk="1" latinLnBrk="0" hangingPunct="1">
+              <a:lnSpc>
+                <a:spcPct val="90000"/>
+              </a:lnSpc>
+              <a:spcBef>
+                <a:spcPts val="500"/>
+              </a:spcBef>
+              <a:buFont typeface="Arial" panose="020B0604020202020204" pitchFamily="34" charset="0"/>
+              <a:buChar char="•"/>
+              <a:defRPr sz="1800" kern="1200">
+                <a:solidFill>
+                  <a:schemeClr val="tx1"/>
+                </a:solidFill>
+                <a:latin typeface="+mn-lt"/>
+                <a:ea typeface="+mn-ea"/>
+                <a:cs typeface="+mn-cs"/>
+              </a:defRPr>
+            </a:lvl9pPr>
+          </a:lstStyle>
+          <a:p>
+            <a:r>
+              <a:rPr lang="en-US" dirty="0"/>
+              <a:t>Sampler </a:t>
+            </a:r>
+            <a:r>
+              <a:rPr lang="en-US" dirty="0" err="1"/>
+              <a:t>zum</a:t>
+            </a:r>
+            <a:r>
+              <a:rPr lang="en-US" dirty="0"/>
+              <a:t> </a:t>
+            </a:r>
+            <a:r>
+              <a:rPr lang="en-US" dirty="0" err="1"/>
+              <a:t>Aufnehmen</a:t>
+            </a:r>
+            <a:r>
+              <a:rPr lang="en-US" dirty="0"/>
+              <a:t> und </a:t>
+            </a:r>
+            <a:r>
+              <a:rPr lang="en-US" dirty="0" err="1"/>
+              <a:t>Abspielen</a:t>
+            </a:r>
+            <a:r>
+              <a:rPr lang="en-US" dirty="0"/>
+              <a:t> von Audio-</a:t>
+            </a:r>
+            <a:r>
+              <a:rPr lang="en-US" dirty="0" err="1"/>
+              <a:t>Dateien</a:t>
+            </a:r>
+            <a:endParaRPr lang="en-US" dirty="0"/>
+          </a:p>
+          <a:p>
+            <a:endParaRPr lang="en-US" dirty="0"/>
+          </a:p>
+          <a:p>
+            <a:r>
+              <a:rPr lang="en-US" dirty="0" err="1"/>
+              <a:t>Klassifizierung</a:t>
+            </a:r>
+            <a:r>
+              <a:rPr lang="en-US" dirty="0"/>
+              <a:t> der Samples </a:t>
+            </a:r>
+            <a:r>
+              <a:rPr lang="en-US" dirty="0" err="1"/>
+              <a:t>durch</a:t>
+            </a:r>
+            <a:r>
+              <a:rPr lang="en-US" dirty="0"/>
+              <a:t> </a:t>
+            </a:r>
+            <a:r>
+              <a:rPr lang="en-US" dirty="0" err="1"/>
+              <a:t>Neuronales</a:t>
+            </a:r>
+            <a:r>
+              <a:rPr lang="en-US" dirty="0"/>
+              <a:t> </a:t>
+            </a:r>
+            <a:r>
+              <a:rPr lang="en-US" dirty="0" err="1"/>
+              <a:t>Netz</a:t>
+            </a:r>
+            <a:r>
+              <a:rPr lang="en-US" dirty="0"/>
+              <a:t> (</a:t>
+            </a:r>
+            <a:r>
+              <a:rPr lang="en-US" dirty="0" err="1"/>
+              <a:t>lokal</a:t>
+            </a:r>
+            <a:r>
+              <a:rPr lang="en-US" dirty="0"/>
+              <a:t>)</a:t>
+            </a:r>
+          </a:p>
+          <a:p>
+            <a:endParaRPr lang="en-US" dirty="0"/>
+          </a:p>
+          <a:p>
+            <a:r>
+              <a:rPr lang="en-US" dirty="0" err="1"/>
+              <a:t>Eurorack</a:t>
+            </a:r>
+            <a:r>
+              <a:rPr lang="en-US" dirty="0"/>
+              <a:t>-Format</a:t>
+            </a:r>
+            <a:endParaRPr lang="de-DE" dirty="0"/>
+          </a:p>
+        </p:txBody>
+      </p:sp>
+      <p:pic>
+        <p:nvPicPr>
+          <p:cNvPr id="11" name="Grafik 10">
+            <a:extLst>
+              <a:ext uri="{FF2B5EF4-FFF2-40B4-BE49-F238E27FC236}">
+                <a16:creationId xmlns:a16="http://schemas.microsoft.com/office/drawing/2014/main" id="{AA20387B-BC59-8BB1-495C-24096F18E61A}"/>
+              </a:ext>
+            </a:extLst>
+          </p:cNvPr>
+          <p:cNvPicPr>
+            <a:picLocks noChangeAspect="1"/>
+          </p:cNvPicPr>
+          <p:nvPr/>
+        </p:nvPicPr>
+        <p:blipFill>
+          <a:blip r:embed="rId3">
+            <a:extLst>
+              <a:ext uri="{28A0092B-C50C-407E-A947-70E740481C1C}">
+                <a14:useLocalDpi xmlns:a14="http://schemas.microsoft.com/office/drawing/2010/main" val="0"/>
+              </a:ext>
+              <a:ext uri="{96DAC541-7B7A-43D3-8B79-37D633B846F1}">
+                <asvg:svgBlip xmlns:asvg="http://schemas.microsoft.com/office/drawing/2016/SVG/main" r:embed="rId4"/>
+              </a:ext>
+            </a:extLst>
+          </a:blip>
+          <a:stretch>
+            <a:fillRect/>
+          </a:stretch>
+        </p:blipFill>
+        <p:spPr>
+          <a:xfrm>
+            <a:off x="1003935" y="1863725"/>
+            <a:ext cx="2930597" cy="4116388"/>
+          </a:xfrm>
+          <a:prstGeom prst="rect">
+            <a:avLst/>
+          </a:prstGeom>
+        </p:spPr>
+      </p:pic>
+    </p:spTree>
+    <p:extLst>
+      <p:ext uri="{BB962C8B-B14F-4D97-AF65-F5344CB8AC3E}">
+        <p14:creationId xmlns:p14="http://schemas.microsoft.com/office/powerpoint/2010/main" val="2380438952"/>
+      </p:ext>
+    </p:extLst>
+  </p:cSld>
+  <p:clrMapOvr>
+    <a:masterClrMapping/>
+  </p:clrMapOvr>
+</p:sld>
+</file>
+
+<file path=ppt/slides/slide3.xml><?xml version="1.0" encoding="utf-8"?>
+<p:sld xmlns:a="http://schemas.openxmlformats.org/drawingml/2006/main" xmlns:r="http://schemas.openxmlformats.org/officeDocument/2006/relationships" xmlns:p="http://schemas.openxmlformats.org/presentationml/2006/main">
+  <p:cSld>
+    <p:spTree>
+      <p:nvGrpSpPr>
+        <p:cNvPr id="1" name=""/>
+        <p:cNvGrpSpPr/>
+        <p:nvPr/>
+      </p:nvGrpSpPr>
+      <p:grpSpPr>
+        <a:xfrm>
+          <a:off x="0" y="0"/>
+          <a:ext cx="0" cy="0"/>
+          <a:chOff x="0" y="0"/>
+          <a:chExt cx="0" cy="0"/>
+        </a:xfrm>
+      </p:grpSpPr>
+      <p:sp>
+        <p:nvSpPr>
+          <p:cNvPr id="10" name="Titel 9">
+            <a:extLst>
+              <a:ext uri="{FF2B5EF4-FFF2-40B4-BE49-F238E27FC236}">
+                <a16:creationId xmlns:a16="http://schemas.microsoft.com/office/drawing/2014/main" id="{C83F7908-01E5-282B-8937-9973E9F708E4}"/>
+              </a:ext>
+            </a:extLst>
+          </p:cNvPr>
+          <p:cNvSpPr>
+            <a:spLocks noGrp="1"/>
+          </p:cNvSpPr>
+          <p:nvPr>
+            <p:ph type="title"/>
+          </p:nvPr>
+        </p:nvSpPr>
+        <p:spPr/>
+        <p:txBody>
+          <a:bodyPr/>
+          <a:lstStyle/>
+          <a:p>
+            <a:r>
+              <a:rPr lang="en-US" dirty="0" err="1"/>
+              <a:t>Ergebnis</a:t>
+            </a:r>
+            <a:endParaRPr lang="de-DE" dirty="0"/>
+          </a:p>
+        </p:txBody>
+      </p:sp>
+      <p:sp>
+        <p:nvSpPr>
+          <p:cNvPr id="3" name="Inhaltsplatzhalter 2">
+            <a:extLst>
+              <a:ext uri="{FF2B5EF4-FFF2-40B4-BE49-F238E27FC236}">
+                <a16:creationId xmlns:a16="http://schemas.microsoft.com/office/drawing/2014/main" id="{68EDEB2C-8309-B837-9B1F-E2E14DB75030}"/>
+              </a:ext>
+            </a:extLst>
+          </p:cNvPr>
+          <p:cNvSpPr>
+            <a:spLocks noGrp="1"/>
+          </p:cNvSpPr>
+          <p:nvPr>
+            <p:ph idx="1"/>
+          </p:nvPr>
+        </p:nvSpPr>
+        <p:spPr>
+          <a:xfrm>
+            <a:off x="4518316" y="2092324"/>
+            <a:ext cx="6615521" cy="3752851"/>
+          </a:xfrm>
+        </p:spPr>
+        <p:txBody>
+          <a:bodyPr>
+            <a:normAutofit fontScale="92500" lnSpcReduction="10000"/>
+          </a:bodyPr>
+          <a:lstStyle/>
+          <a:p>
+            <a:r>
+              <a:rPr lang="de-DE" dirty="0"/>
+              <a:t>Einzelne Teilprojekte funktionieren größtenteils</a:t>
+            </a:r>
+          </a:p>
+          <a:p>
+            <a:pPr marL="0" indent="0">
+              <a:buNone/>
+            </a:pPr>
+            <a:endParaRPr lang="de-DE" dirty="0"/>
+          </a:p>
+          <a:p>
+            <a:r>
+              <a:rPr lang="de-DE" dirty="0"/>
+              <a:t>Gesamtintegration nicht abgeschlossen</a:t>
+            </a:r>
+          </a:p>
+          <a:p>
+            <a:pPr lvl="1"/>
+            <a:r>
+              <a:rPr lang="de-DE" dirty="0"/>
+              <a:t>zu spät angefangen</a:t>
+            </a:r>
+          </a:p>
+          <a:p>
+            <a:pPr lvl="1"/>
+            <a:r>
+              <a:rPr lang="de-DE" dirty="0"/>
+              <a:t>Probleme bei der Übertragung auf das Nucleo-F7 Board</a:t>
+            </a:r>
+          </a:p>
+          <a:p>
+            <a:pPr lvl="1"/>
+            <a:endParaRPr lang="de-DE" dirty="0"/>
+          </a:p>
+          <a:p>
+            <a:r>
+              <a:rPr lang="de-DE" dirty="0"/>
+              <a:t>Details zu den einzelnen Teilprojekten auf den folgenden Folien</a:t>
+            </a:r>
+          </a:p>
+          <a:p>
+            <a:endParaRPr lang="de-DE" dirty="0"/>
+          </a:p>
+        </p:txBody>
+      </p:sp>
+      <p:pic>
+        <p:nvPicPr>
+          <p:cNvPr id="4" name="Grafik 3" descr="Ein Bild, das Zeichnung, Entwurf, Kunst enthält.&#10;&#10;Automatisch generierte Beschreibung">
+            <a:extLst>
+              <a:ext uri="{FF2B5EF4-FFF2-40B4-BE49-F238E27FC236}">
+                <a16:creationId xmlns:a16="http://schemas.microsoft.com/office/drawing/2014/main" id="{5355F93E-C243-03BE-5284-1D1A68A56DAA}"/>
+              </a:ext>
+            </a:extLst>
+          </p:cNvPr>
+          <p:cNvPicPr>
+            <a:picLocks noChangeAspect="1"/>
+          </p:cNvPicPr>
+          <p:nvPr/>
+        </p:nvPicPr>
+        <p:blipFill>
+          <a:blip r:embed="rId3">
+            <a:extLst>
+              <a:ext uri="{28A0092B-C50C-407E-A947-70E740481C1C}">
+                <a14:useLocalDpi xmlns:a14="http://schemas.microsoft.com/office/drawing/2010/main" val="0"/>
+              </a:ext>
+            </a:extLst>
+          </a:blip>
+          <a:stretch>
+            <a:fillRect/>
+          </a:stretch>
+        </p:blipFill>
+        <p:spPr>
+          <a:xfrm>
+            <a:off x="838200" y="1788291"/>
+            <a:ext cx="3527725" cy="4056884"/>
+          </a:xfrm>
+          <a:prstGeom prst="rect">
+            <a:avLst/>
+          </a:prstGeom>
+        </p:spPr>
+      </p:pic>
+    </p:spTree>
+    <p:extLst>
+      <p:ext uri="{BB962C8B-B14F-4D97-AF65-F5344CB8AC3E}">
+        <p14:creationId xmlns:p14="http://schemas.microsoft.com/office/powerpoint/2010/main" val="357275312"/>
+      </p:ext>
+    </p:extLst>
+  </p:cSld>
+  <p:clrMapOvr>
+    <a:masterClrMapping/>
+  </p:clrMapOvr>
+</p:sld>
+</file>
+
+<file path=ppt/slides/slide4.xml><?xml version="1.0" encoding="utf-8"?>
+<p:sld xmlns:a="http://schemas.openxmlformats.org/drawingml/2006/main" xmlns:r="http://schemas.openxmlformats.org/officeDocument/2006/relationships" xmlns:p="http://schemas.openxmlformats.org/presentationml/2006/main">
+  <p:cSld>
+    <p:spTree>
+      <p:nvGrpSpPr>
+        <p:cNvPr id="1" name=""/>
+        <p:cNvGrpSpPr/>
+        <p:nvPr/>
+      </p:nvGrpSpPr>
+      <p:grpSpPr>
+        <a:xfrm>
+          <a:off x="0" y="0"/>
+          <a:ext cx="0" cy="0"/>
+          <a:chOff x="0" y="0"/>
+          <a:chExt cx="0" cy="0"/>
+        </a:xfrm>
+      </p:grpSpPr>
+      <p:sp>
+        <p:nvSpPr>
+          <p:cNvPr id="2" name="Titel 1">
+            <a:extLst>
+              <a:ext uri="{FF2B5EF4-FFF2-40B4-BE49-F238E27FC236}">
+                <a16:creationId xmlns:a16="http://schemas.microsoft.com/office/drawing/2014/main" id="{06FFF98F-1DE0-08C1-2387-52CFB07E7E47}"/>
+              </a:ext>
+            </a:extLst>
+          </p:cNvPr>
+          <p:cNvSpPr>
+            <a:spLocks noGrp="1"/>
+          </p:cNvSpPr>
+          <p:nvPr>
+            <p:ph type="title"/>
+          </p:nvPr>
+        </p:nvSpPr>
+        <p:spPr/>
+        <p:txBody>
+          <a:bodyPr/>
+          <a:lstStyle/>
+          <a:p>
+            <a:r>
+              <a:rPr lang="en-US" dirty="0" err="1"/>
+              <a:t>Teilprojekte</a:t>
+            </a:r>
+            <a:endParaRPr lang="de-DE" dirty="0"/>
+          </a:p>
+        </p:txBody>
+      </p:sp>
+      <p:grpSp>
+        <p:nvGrpSpPr>
+          <p:cNvPr id="21" name="Gruppieren 20">
+            <a:extLst>
+              <a:ext uri="{FF2B5EF4-FFF2-40B4-BE49-F238E27FC236}">
+                <a16:creationId xmlns:a16="http://schemas.microsoft.com/office/drawing/2014/main" id="{6F61FA86-4C45-32B7-0E14-65E5567CDA0F}"/>
+              </a:ext>
+            </a:extLst>
+          </p:cNvPr>
+          <p:cNvGrpSpPr/>
+          <p:nvPr/>
+        </p:nvGrpSpPr>
+        <p:grpSpPr>
+          <a:xfrm>
+            <a:off x="3333031" y="1811458"/>
+            <a:ext cx="5525938" cy="5198629"/>
+            <a:chOff x="3531799" y="1690688"/>
+            <a:chExt cx="5525938" cy="5198629"/>
+          </a:xfrm>
+        </p:grpSpPr>
+        <p:pic>
+          <p:nvPicPr>
+            <p:cNvPr id="7" name="Grafik 6">
+              <a:extLst>
+                <a:ext uri="{FF2B5EF4-FFF2-40B4-BE49-F238E27FC236}">
+                  <a16:creationId xmlns:a16="http://schemas.microsoft.com/office/drawing/2014/main" id="{12B8160D-A5D2-52E7-A96D-598DCE563AE4}"/>
+                </a:ext>
+              </a:extLst>
+            </p:cNvPr>
+            <p:cNvPicPr>
+              <a:picLocks noChangeAspect="1"/>
+            </p:cNvPicPr>
+            <p:nvPr/>
+          </p:nvPicPr>
+          <p:blipFill>
+            <a:blip r:embed="rId3">
+              <a:extLst>
+                <a:ext uri="{96DAC541-7B7A-43D3-8B79-37D633B846F1}">
+                  <asvg:svgBlip xmlns:asvg="http://schemas.microsoft.com/office/drawing/2016/SVG/main" r:embed="rId4"/>
+                </a:ext>
+              </a:extLst>
+            </a:blip>
+            <a:stretch>
+              <a:fillRect/>
+            </a:stretch>
+          </p:blipFill>
+          <p:spPr>
+            <a:xfrm>
+              <a:off x="3531800" y="1690688"/>
+              <a:ext cx="1264489" cy="1264489"/>
+            </a:xfrm>
+            <a:prstGeom prst="rect">
+              <a:avLst/>
+            </a:prstGeom>
+          </p:spPr>
+        </p:pic>
+        <p:pic>
+          <p:nvPicPr>
+            <p:cNvPr id="10" name="Grafik 9">
+              <a:extLst>
+                <a:ext uri="{FF2B5EF4-FFF2-40B4-BE49-F238E27FC236}">
+                  <a16:creationId xmlns:a16="http://schemas.microsoft.com/office/drawing/2014/main" id="{AB7AD6F4-EB47-5100-8ADF-B394150CA9D6}"/>
+                </a:ext>
+              </a:extLst>
+            </p:cNvPr>
+            <p:cNvPicPr>
+              <a:picLocks noChangeAspect="1"/>
+            </p:cNvPicPr>
+            <p:nvPr/>
+          </p:nvPicPr>
+          <p:blipFill>
+            <a:blip r:embed="rId5">
+              <a:extLst>
+                <a:ext uri="{96DAC541-7B7A-43D3-8B79-37D633B846F1}">
+                  <asvg:svgBlip xmlns:asvg="http://schemas.microsoft.com/office/drawing/2016/SVG/main" r:embed="rId6"/>
+                </a:ext>
+              </a:extLst>
+            </a:blip>
+            <a:stretch>
+              <a:fillRect/>
+            </a:stretch>
+          </p:blipFill>
+          <p:spPr>
+            <a:xfrm>
+              <a:off x="3531800" y="3204715"/>
+              <a:ext cx="1264489" cy="1264489"/>
+            </a:xfrm>
+            <a:prstGeom prst="rect">
+              <a:avLst/>
+            </a:prstGeom>
+          </p:spPr>
+        </p:pic>
+        <p:pic>
+          <p:nvPicPr>
+            <p:cNvPr id="19" name="Grafik 18">
+              <a:extLst>
+                <a:ext uri="{FF2B5EF4-FFF2-40B4-BE49-F238E27FC236}">
+                  <a16:creationId xmlns:a16="http://schemas.microsoft.com/office/drawing/2014/main" id="{11482BB5-51B0-3E88-3E15-8A8372A17FC9}"/>
+                </a:ext>
+              </a:extLst>
+            </p:cNvPr>
+            <p:cNvPicPr>
+              <a:picLocks noChangeAspect="1"/>
+            </p:cNvPicPr>
+            <p:nvPr/>
+          </p:nvPicPr>
+          <p:blipFill>
+            <a:blip r:embed="rId7">
+              <a:extLst>
+                <a:ext uri="{28A0092B-C50C-407E-A947-70E740481C1C}">
+                  <a14:useLocalDpi xmlns:a14="http://schemas.microsoft.com/office/drawing/2010/main" val="0"/>
+                </a:ext>
+                <a:ext uri="{96DAC541-7B7A-43D3-8B79-37D633B846F1}">
+                  <asvg:svgBlip xmlns:asvg="http://schemas.microsoft.com/office/drawing/2016/SVG/main" r:embed="rId8"/>
+                </a:ext>
+              </a:extLst>
+            </a:blip>
+            <a:stretch>
+              <a:fillRect/>
+            </a:stretch>
+          </p:blipFill>
+          <p:spPr>
+            <a:xfrm>
+              <a:off x="3531799" y="4718742"/>
+              <a:ext cx="1264489" cy="1264489"/>
+            </a:xfrm>
+            <a:prstGeom prst="rect">
+              <a:avLst/>
+            </a:prstGeom>
+          </p:spPr>
+        </p:pic>
+        <p:sp>
+          <p:nvSpPr>
+            <p:cNvPr id="20" name="Textfeld 19">
+              <a:extLst>
+                <a:ext uri="{FF2B5EF4-FFF2-40B4-BE49-F238E27FC236}">
+                  <a16:creationId xmlns:a16="http://schemas.microsoft.com/office/drawing/2014/main" id="{9AD84849-5254-A77B-45FE-0E2FCA438FAE}"/>
+                </a:ext>
+              </a:extLst>
+            </p:cNvPr>
+            <p:cNvSpPr txBox="1"/>
+            <p:nvPr/>
+          </p:nvSpPr>
+          <p:spPr>
+            <a:xfrm>
+              <a:off x="5072335" y="1872559"/>
+              <a:ext cx="3985402" cy="5016758"/>
+            </a:xfrm>
+            <a:prstGeom prst="rect">
+              <a:avLst/>
+            </a:prstGeom>
+            <a:noFill/>
+          </p:spPr>
+          <p:txBody>
+            <a:bodyPr wrap="square" rtlCol="0">
+              <a:spAutoFit/>
+            </a:bodyPr>
+            <a:lstStyle/>
+            <a:p>
+              <a:r>
+                <a:rPr lang="de-DE" sz="4000" dirty="0">
+                  <a:latin typeface="Tenorite" pitchFamily="2" charset="0"/>
+                </a:rPr>
+                <a:t>Neuronales Netz</a:t>
+              </a:r>
+            </a:p>
+            <a:p>
+              <a:r>
+                <a:rPr lang="de-DE" sz="2400" dirty="0">
+                  <a:latin typeface="Tenorite" pitchFamily="2" charset="0"/>
+                </a:rPr>
+                <a:t>Leon Braungardt</a:t>
+              </a:r>
+            </a:p>
+            <a:p>
+              <a:endParaRPr lang="de-DE" sz="2800" b="1" dirty="0">
+                <a:latin typeface="Tenorite" pitchFamily="2" charset="0"/>
+              </a:endParaRPr>
+            </a:p>
+            <a:p>
+              <a:r>
+                <a:rPr lang="de-DE" sz="4000" dirty="0">
+                  <a:latin typeface="Tenorite" pitchFamily="2" charset="0"/>
+                </a:rPr>
+                <a:t>Interface</a:t>
+              </a:r>
+            </a:p>
+            <a:p>
+              <a:r>
+                <a:rPr lang="de-DE" sz="2400" dirty="0">
+                  <a:latin typeface="Tenorite" pitchFamily="2" charset="0"/>
+                </a:rPr>
+                <a:t>Szymon </a:t>
+              </a:r>
+              <a:r>
+                <a:rPr lang="de-DE" sz="2400" dirty="0" err="1">
+                  <a:latin typeface="Tenorite" pitchFamily="2" charset="0"/>
+                </a:rPr>
+                <a:t>Banasiak</a:t>
+              </a:r>
+              <a:endParaRPr lang="de-DE" sz="2400" dirty="0">
+                <a:latin typeface="Tenorite" pitchFamily="2" charset="0"/>
+              </a:endParaRPr>
+            </a:p>
+            <a:p>
+              <a:endParaRPr lang="de-DE" sz="3600" dirty="0">
+                <a:latin typeface="Tenorite" pitchFamily="2" charset="0"/>
+              </a:endParaRPr>
+            </a:p>
+            <a:p>
+              <a:r>
+                <a:rPr lang="de-DE" sz="4000" dirty="0">
+                  <a:latin typeface="Tenorite" pitchFamily="2" charset="0"/>
+                </a:rPr>
+                <a:t>Audio</a:t>
+              </a:r>
+            </a:p>
+            <a:p>
+              <a:r>
+                <a:rPr lang="de-DE" sz="2400" dirty="0">
+                  <a:latin typeface="Tenorite" pitchFamily="2" charset="0"/>
+                </a:rPr>
+                <a:t>Jonas Lux</a:t>
+              </a:r>
+            </a:p>
+            <a:p>
+              <a:endParaRPr lang="de-DE" sz="3600" dirty="0">
+                <a:latin typeface="Tenorite" pitchFamily="2" charset="0"/>
+              </a:endParaRPr>
+            </a:p>
+            <a:p>
+              <a:endParaRPr lang="de-DE" sz="2800" b="1" dirty="0">
+                <a:latin typeface="Tenorite" pitchFamily="2" charset="0"/>
+              </a:endParaRPr>
+            </a:p>
+          </p:txBody>
+        </p:sp>
+      </p:grpSp>
+    </p:spTree>
+    <p:extLst>
+      <p:ext uri="{BB962C8B-B14F-4D97-AF65-F5344CB8AC3E}">
+        <p14:creationId xmlns:p14="http://schemas.microsoft.com/office/powerpoint/2010/main" val="579821906"/>
+      </p:ext>
+    </p:extLst>
+  </p:cSld>
+  <p:clrMapOvr>
+    <a:masterClrMapping/>
+  </p:clrMapOvr>
+</p:sld>
+</file>
+
+<file path=ppt/slides/slide5.xml><?xml version="1.0" encoding="utf-8"?>
+<p:sld xmlns:a="http://schemas.openxmlformats.org/drawingml/2006/main" xmlns:r="http://schemas.openxmlformats.org/officeDocument/2006/relationships" xmlns:p="http://schemas.openxmlformats.org/presentationml/2006/main">
+  <p:cSld>
+    <p:spTree>
+      <p:nvGrpSpPr>
+        <p:cNvPr id="1" name=""/>
+        <p:cNvGrpSpPr/>
+        <p:nvPr/>
+      </p:nvGrpSpPr>
+      <p:grpSpPr>
+        <a:xfrm>
+          <a:off x="0" y="0"/>
+          <a:ext cx="0" cy="0"/>
+          <a:chOff x="0" y="0"/>
+          <a:chExt cx="0" cy="0"/>
+        </a:xfrm>
+      </p:grpSpPr>
+      <p:sp>
+        <p:nvSpPr>
+          <p:cNvPr id="10" name="Titel 9">
+            <a:extLst>
+              <a:ext uri="{FF2B5EF4-FFF2-40B4-BE49-F238E27FC236}">
+                <a16:creationId xmlns:a16="http://schemas.microsoft.com/office/drawing/2014/main" id="{C83F7908-01E5-282B-8937-9973E9F708E4}"/>
+              </a:ext>
+            </a:extLst>
+          </p:cNvPr>
+          <p:cNvSpPr>
+            <a:spLocks noGrp="1"/>
+          </p:cNvSpPr>
+          <p:nvPr>
+            <p:ph type="title"/>
+          </p:nvPr>
+        </p:nvSpPr>
+        <p:spPr/>
+        <p:txBody>
+          <a:bodyPr>
+            <a:normAutofit fontScale="90000"/>
+          </a:bodyPr>
+          <a:lstStyle/>
+          <a:p>
+            <a:r>
+              <a:rPr lang="en-US" dirty="0" err="1"/>
+              <a:t>Neuronales</a:t>
+            </a:r>
+            <a:r>
+              <a:rPr lang="en-US" dirty="0"/>
+              <a:t> </a:t>
+            </a:r>
+            <a:r>
+              <a:rPr lang="en-US" dirty="0" err="1"/>
+              <a:t>Netz</a:t>
+            </a:r>
+            <a:r>
+              <a:rPr lang="en-US" dirty="0"/>
+              <a:t> - </a:t>
+            </a:r>
+            <a:r>
+              <a:rPr lang="en-US" dirty="0" err="1"/>
+              <a:t>Anforderungen</a:t>
+            </a:r>
+            <a:endParaRPr lang="de-DE" dirty="0"/>
+          </a:p>
+        </p:txBody>
+      </p:sp>
+      <p:sp>
+        <p:nvSpPr>
+          <p:cNvPr id="3" name="Inhaltsplatzhalter 2">
+            <a:extLst>
+              <a:ext uri="{FF2B5EF4-FFF2-40B4-BE49-F238E27FC236}">
+                <a16:creationId xmlns:a16="http://schemas.microsoft.com/office/drawing/2014/main" id="{68EDEB2C-8309-B837-9B1F-E2E14DB75030}"/>
+              </a:ext>
+            </a:extLst>
+          </p:cNvPr>
+          <p:cNvSpPr>
+            <a:spLocks noGrp="1"/>
+          </p:cNvSpPr>
+          <p:nvPr>
+            <p:ph idx="1"/>
+          </p:nvPr>
+        </p:nvSpPr>
+        <p:spPr>
+          <a:xfrm>
+            <a:off x="1004479" y="2092324"/>
+            <a:ext cx="9701621" cy="3752851"/>
+          </a:xfrm>
+        </p:spPr>
+        <p:txBody>
+          <a:bodyPr>
+            <a:normAutofit/>
+          </a:bodyPr>
+          <a:lstStyle/>
+          <a:p>
+            <a:r>
+              <a:rPr lang="de-DE" dirty="0"/>
+              <a:t>Neuronales Netz soll:</a:t>
+            </a:r>
+          </a:p>
+          <a:p>
+            <a:pPr lvl="1"/>
+            <a:r>
+              <a:rPr lang="de-DE" sz="2800" dirty="0"/>
+              <a:t>Audiosamples in sinnvolle Kategorien klassifizieren</a:t>
+            </a:r>
+          </a:p>
+          <a:p>
+            <a:pPr lvl="1"/>
+            <a:r>
+              <a:rPr lang="de-DE" sz="2800" dirty="0"/>
+              <a:t>Sinnvolle Ergebnisse ausgeben, dementsprechend ausreichend gut vortrainiert sein</a:t>
+            </a:r>
+          </a:p>
+          <a:p>
+            <a:pPr lvl="1"/>
+            <a:r>
+              <a:rPr lang="de-DE" sz="2800" dirty="0"/>
+              <a:t>Auf dem Nucleo-F7 Board betrieben werden können (inkl. Datenvorverarbeitung und Generierung der Spektrogramme)</a:t>
+            </a:r>
+          </a:p>
+          <a:p>
+            <a:pPr lvl="1"/>
+            <a:endParaRPr lang="de-DE" dirty="0"/>
+          </a:p>
+          <a:p>
+            <a:pPr lvl="1"/>
+            <a:endParaRPr lang="de-DE" dirty="0"/>
+          </a:p>
+          <a:p>
+            <a:endParaRPr lang="de-DE" dirty="0"/>
+          </a:p>
+        </p:txBody>
+      </p:sp>
+    </p:spTree>
+    <p:extLst>
+      <p:ext uri="{BB962C8B-B14F-4D97-AF65-F5344CB8AC3E}">
+        <p14:creationId xmlns:p14="http://schemas.microsoft.com/office/powerpoint/2010/main" val="71417493"/>
+      </p:ext>
+    </p:extLst>
+  </p:cSld>
+  <p:clrMapOvr>
+    <a:masterClrMapping/>
+  </p:clrMapOvr>
+</p:sld>
+</file>
+
+<file path=ppt/slides/slide6.xml><?xml version="1.0" encoding="utf-8"?>
+<p:sld xmlns:a="http://schemas.openxmlformats.org/drawingml/2006/main" xmlns:r="http://schemas.openxmlformats.org/officeDocument/2006/relationships" xmlns:p="http://schemas.openxmlformats.org/presentationml/2006/main">
+  <p:cSld>
+    <p:spTree>
+      <p:nvGrpSpPr>
+        <p:cNvPr id="1" name=""/>
+        <p:cNvGrpSpPr/>
+        <p:nvPr/>
+      </p:nvGrpSpPr>
+      <p:grpSpPr>
+        <a:xfrm>
+          <a:off x="0" y="0"/>
+          <a:ext cx="0" cy="0"/>
+          <a:chOff x="0" y="0"/>
+          <a:chExt cx="0" cy="0"/>
+        </a:xfrm>
+      </p:grpSpPr>
+      <p:sp>
+        <p:nvSpPr>
+          <p:cNvPr id="10" name="Titel 9">
+            <a:extLst>
+              <a:ext uri="{FF2B5EF4-FFF2-40B4-BE49-F238E27FC236}">
+                <a16:creationId xmlns:a16="http://schemas.microsoft.com/office/drawing/2014/main" id="{C83F7908-01E5-282B-8937-9973E9F708E4}"/>
+              </a:ext>
+            </a:extLst>
+          </p:cNvPr>
+          <p:cNvSpPr>
+            <a:spLocks noGrp="1"/>
+          </p:cNvSpPr>
+          <p:nvPr>
+            <p:ph type="title"/>
+          </p:nvPr>
+        </p:nvSpPr>
+        <p:spPr/>
+        <p:txBody>
+          <a:bodyPr>
+            <a:normAutofit/>
+          </a:bodyPr>
+          <a:lstStyle/>
+          <a:p>
+            <a:r>
+              <a:rPr lang="en-US" dirty="0" err="1"/>
+              <a:t>Neuronales</a:t>
+            </a:r>
+            <a:r>
+              <a:rPr lang="en-US" dirty="0"/>
+              <a:t> </a:t>
+            </a:r>
+            <a:r>
+              <a:rPr lang="en-US" dirty="0" err="1"/>
+              <a:t>Netz</a:t>
+            </a:r>
+            <a:r>
+              <a:rPr lang="en-US" dirty="0"/>
+              <a:t> - </a:t>
+            </a:r>
+            <a:r>
+              <a:rPr lang="en-US" dirty="0" err="1"/>
+              <a:t>Ergebnisse</a:t>
+            </a:r>
+            <a:endParaRPr lang="de-DE" dirty="0"/>
+          </a:p>
+        </p:txBody>
+      </p:sp>
+      <p:sp>
+        <p:nvSpPr>
+          <p:cNvPr id="3" name="Inhaltsplatzhalter 2">
+            <a:extLst>
+              <a:ext uri="{FF2B5EF4-FFF2-40B4-BE49-F238E27FC236}">
+                <a16:creationId xmlns:a16="http://schemas.microsoft.com/office/drawing/2014/main" id="{68EDEB2C-8309-B837-9B1F-E2E14DB75030}"/>
+              </a:ext>
+            </a:extLst>
+          </p:cNvPr>
+          <p:cNvSpPr>
+            <a:spLocks noGrp="1"/>
+          </p:cNvSpPr>
+          <p:nvPr>
+            <p:ph idx="1"/>
+          </p:nvPr>
+        </p:nvSpPr>
+        <p:spPr>
+          <a:xfrm>
+            <a:off x="1004479" y="2092324"/>
+            <a:ext cx="9701621" cy="3752851"/>
+          </a:xfrm>
+        </p:spPr>
+        <p:txBody>
+          <a:bodyPr>
+            <a:normAutofit/>
+          </a:bodyPr>
+          <a:lstStyle/>
+          <a:p>
+            <a:pPr marL="0" indent="0">
+              <a:buNone/>
+            </a:pPr>
+            <a:r>
+              <a:rPr lang="de-DE" dirty="0"/>
+              <a:t>Merkmalsklassen:</a:t>
+            </a:r>
+          </a:p>
+          <a:p>
+            <a:pPr lvl="1"/>
+            <a:r>
+              <a:rPr lang="de-DE" dirty="0"/>
+              <a:t>bass</a:t>
+            </a:r>
+          </a:p>
+          <a:p>
+            <a:pPr lvl="1"/>
+            <a:r>
+              <a:rPr lang="de-DE" dirty="0" err="1"/>
+              <a:t>pitched</a:t>
+            </a:r>
+            <a:endParaRPr lang="de-DE" dirty="0"/>
+          </a:p>
+          <a:p>
+            <a:pPr lvl="1"/>
+            <a:r>
+              <a:rPr lang="de-DE" dirty="0" err="1"/>
+              <a:t>rhythmic</a:t>
+            </a:r>
+            <a:endParaRPr lang="de-DE" dirty="0"/>
+          </a:p>
+          <a:p>
+            <a:pPr lvl="1"/>
+            <a:r>
+              <a:rPr lang="de-DE" dirty="0" err="1"/>
+              <a:t>sustained</a:t>
+            </a:r>
+            <a:endParaRPr lang="de-DE" dirty="0"/>
+          </a:p>
+          <a:p>
+            <a:pPr lvl="1"/>
+            <a:r>
+              <a:rPr lang="de-DE" dirty="0" err="1"/>
+              <a:t>melodic</a:t>
+            </a:r>
+            <a:endParaRPr lang="de-DE" dirty="0"/>
+          </a:p>
+          <a:p>
+            <a:pPr lvl="1"/>
+            <a:endParaRPr lang="de-DE" dirty="0"/>
+          </a:p>
+          <a:p>
+            <a:pPr lvl="1"/>
+            <a:endParaRPr lang="de-DE" dirty="0"/>
+          </a:p>
+          <a:p>
+            <a:pPr lvl="1"/>
+            <a:endParaRPr lang="de-DE" dirty="0"/>
+          </a:p>
+          <a:p>
+            <a:endParaRPr lang="de-DE" dirty="0"/>
+          </a:p>
+          <a:p>
+            <a:pPr lvl="1"/>
+            <a:endParaRPr lang="de-DE" dirty="0"/>
+          </a:p>
+          <a:p>
+            <a:pPr lvl="1"/>
+            <a:endParaRPr lang="de-DE" dirty="0"/>
+          </a:p>
+          <a:p>
+            <a:endParaRPr lang="de-DE" dirty="0"/>
+          </a:p>
+        </p:txBody>
+      </p:sp>
+      <p:sp>
+        <p:nvSpPr>
+          <p:cNvPr id="2" name="Textfeld 1">
+            <a:extLst>
+              <a:ext uri="{FF2B5EF4-FFF2-40B4-BE49-F238E27FC236}">
+                <a16:creationId xmlns:a16="http://schemas.microsoft.com/office/drawing/2014/main" id="{1E877FBE-FD81-8292-9E60-8173DA0CFC19}"/>
+              </a:ext>
+            </a:extLst>
+          </p:cNvPr>
+          <p:cNvSpPr txBox="1"/>
+          <p:nvPr/>
+        </p:nvSpPr>
+        <p:spPr>
+          <a:xfrm>
+            <a:off x="2708694" y="3053751"/>
+            <a:ext cx="184731" cy="369332"/>
+          </a:xfrm>
+          <a:prstGeom prst="rect">
+            <a:avLst/>
+          </a:prstGeom>
+          <a:noFill/>
+        </p:spPr>
+        <p:txBody>
+          <a:bodyPr wrap="none" rtlCol="0">
+            <a:spAutoFit/>
+          </a:bodyPr>
+          <a:lstStyle/>
+          <a:p>
+            <a:endParaRPr lang="de-DE" dirty="0"/>
+          </a:p>
+        </p:txBody>
+      </p:sp>
+    </p:spTree>
+    <p:extLst>
+      <p:ext uri="{BB962C8B-B14F-4D97-AF65-F5344CB8AC3E}">
+        <p14:creationId xmlns:p14="http://schemas.microsoft.com/office/powerpoint/2010/main" val="2518909777"/>
+      </p:ext>
+    </p:extLst>
+  </p:cSld>
+  <p:clrMapOvr>
+    <a:masterClrMapping/>
+  </p:clrMapOvr>
+</p:sld>
+</file>
+
+<file path=ppt/slides/slide7.xml><?xml version="1.0" encoding="utf-8"?>
+<p:sld xmlns:a="http://schemas.openxmlformats.org/drawingml/2006/main" xmlns:r="http://schemas.openxmlformats.org/officeDocument/2006/relationships" xmlns:p="http://schemas.openxmlformats.org/presentationml/2006/main">
+  <p:cSld>
+    <p:spTree>
+      <p:nvGrpSpPr>
+        <p:cNvPr id="1" name=""/>
+        <p:cNvGrpSpPr/>
+        <p:nvPr/>
+      </p:nvGrpSpPr>
+      <p:grpSpPr>
+        <a:xfrm>
+          <a:off x="0" y="0"/>
+          <a:ext cx="0" cy="0"/>
+          <a:chOff x="0" y="0"/>
+          <a:chExt cx="0" cy="0"/>
+        </a:xfrm>
+      </p:grpSpPr>
+      <p:sp>
+        <p:nvSpPr>
+          <p:cNvPr id="10" name="Titel 9">
+            <a:extLst>
+              <a:ext uri="{FF2B5EF4-FFF2-40B4-BE49-F238E27FC236}">
+                <a16:creationId xmlns:a16="http://schemas.microsoft.com/office/drawing/2014/main" id="{C83F7908-01E5-282B-8937-9973E9F708E4}"/>
+              </a:ext>
+            </a:extLst>
+          </p:cNvPr>
+          <p:cNvSpPr>
+            <a:spLocks noGrp="1"/>
+          </p:cNvSpPr>
+          <p:nvPr>
+            <p:ph type="title"/>
+          </p:nvPr>
+        </p:nvSpPr>
+        <p:spPr/>
+        <p:txBody>
+          <a:bodyPr>
+            <a:normAutofit/>
+          </a:bodyPr>
+          <a:lstStyle/>
+          <a:p>
+            <a:r>
+              <a:rPr lang="en-US" dirty="0" err="1"/>
+              <a:t>Neuronales</a:t>
+            </a:r>
+            <a:r>
+              <a:rPr lang="en-US" dirty="0"/>
+              <a:t> </a:t>
+            </a:r>
+            <a:r>
+              <a:rPr lang="en-US" dirty="0" err="1"/>
+              <a:t>Netz</a:t>
+            </a:r>
+            <a:r>
+              <a:rPr lang="en-US" dirty="0"/>
+              <a:t> - </a:t>
+            </a:r>
+            <a:r>
+              <a:rPr lang="en-US" dirty="0" err="1"/>
+              <a:t>Ergebnisse</a:t>
+            </a:r>
+            <a:endParaRPr lang="de-DE" dirty="0"/>
+          </a:p>
+        </p:txBody>
+      </p:sp>
+      <p:sp>
+        <p:nvSpPr>
+          <p:cNvPr id="3" name="Inhaltsplatzhalter 2">
+            <a:extLst>
+              <a:ext uri="{FF2B5EF4-FFF2-40B4-BE49-F238E27FC236}">
+                <a16:creationId xmlns:a16="http://schemas.microsoft.com/office/drawing/2014/main" id="{68EDEB2C-8309-B837-9B1F-E2E14DB75030}"/>
+              </a:ext>
+            </a:extLst>
+          </p:cNvPr>
+          <p:cNvSpPr>
+            <a:spLocks noGrp="1"/>
+          </p:cNvSpPr>
+          <p:nvPr>
+            <p:ph idx="1"/>
+          </p:nvPr>
+        </p:nvSpPr>
+        <p:spPr>
+          <a:xfrm>
+            <a:off x="1004479" y="2092324"/>
+            <a:ext cx="9701621" cy="3752851"/>
+          </a:xfrm>
+        </p:spPr>
+        <p:txBody>
+          <a:bodyPr>
+            <a:normAutofit/>
+          </a:bodyPr>
+          <a:lstStyle/>
+          <a:p>
+            <a:pPr marL="457200" lvl="1" indent="0">
+              <a:buNone/>
+            </a:pPr>
+            <a:endParaRPr lang="de-DE" dirty="0"/>
+          </a:p>
+          <a:p>
+            <a:pPr lvl="1"/>
+            <a:endParaRPr lang="de-DE" dirty="0"/>
+          </a:p>
+          <a:p>
+            <a:pPr lvl="1"/>
+            <a:endParaRPr lang="de-DE" dirty="0"/>
+          </a:p>
+          <a:p>
+            <a:endParaRPr lang="de-DE" dirty="0"/>
+          </a:p>
+          <a:p>
+            <a:pPr lvl="1"/>
+            <a:endParaRPr lang="de-DE" dirty="0"/>
+          </a:p>
+          <a:p>
+            <a:pPr lvl="1"/>
+            <a:endParaRPr lang="de-DE" dirty="0"/>
+          </a:p>
+          <a:p>
+            <a:endParaRPr lang="de-DE" dirty="0"/>
+          </a:p>
+        </p:txBody>
+      </p:sp>
+      <p:sp>
+        <p:nvSpPr>
+          <p:cNvPr id="2" name="Textfeld 1">
+            <a:extLst>
+              <a:ext uri="{FF2B5EF4-FFF2-40B4-BE49-F238E27FC236}">
+                <a16:creationId xmlns:a16="http://schemas.microsoft.com/office/drawing/2014/main" id="{1E877FBE-FD81-8292-9E60-8173DA0CFC19}"/>
+              </a:ext>
+            </a:extLst>
+          </p:cNvPr>
+          <p:cNvSpPr txBox="1"/>
+          <p:nvPr/>
+        </p:nvSpPr>
+        <p:spPr>
+          <a:xfrm>
+            <a:off x="2708694" y="3053751"/>
+            <a:ext cx="184731" cy="369332"/>
+          </a:xfrm>
+          <a:prstGeom prst="rect">
+            <a:avLst/>
+          </a:prstGeom>
+          <a:noFill/>
+        </p:spPr>
+        <p:txBody>
+          <a:bodyPr wrap="none" rtlCol="0">
+            <a:spAutoFit/>
+          </a:bodyPr>
+          <a:lstStyle/>
+          <a:p>
+            <a:endParaRPr lang="de-DE" dirty="0"/>
+          </a:p>
+        </p:txBody>
+      </p:sp>
+      <p:pic>
+        <p:nvPicPr>
+          <p:cNvPr id="2050" name="Picture 2">
+            <a:extLst>
+              <a:ext uri="{FF2B5EF4-FFF2-40B4-BE49-F238E27FC236}">
+                <a16:creationId xmlns:a16="http://schemas.microsoft.com/office/drawing/2014/main" id="{207174D4-F442-BD1F-54CE-01B05A4A99A8}"/>
+              </a:ext>
+            </a:extLst>
+          </p:cNvPr>
+          <p:cNvPicPr>
+            <a:picLocks noChangeAspect="1" noChangeArrowheads="1"/>
+          </p:cNvPicPr>
+          <p:nvPr/>
+        </p:nvPicPr>
+        <p:blipFill>
+          <a:blip r:embed="rId3">
+            <a:extLst>
+              <a:ext uri="{28A0092B-C50C-407E-A947-70E740481C1C}">
+                <a14:useLocalDpi xmlns:a14="http://schemas.microsoft.com/office/drawing/2010/main" val="0"/>
+              </a:ext>
+            </a:extLst>
+          </a:blip>
+          <a:srcRect/>
+          <a:stretch>
+            <a:fillRect/>
+          </a:stretch>
+        </p:blipFill>
+        <p:spPr bwMode="auto">
+          <a:xfrm>
+            <a:off x="3120955" y="1602657"/>
+            <a:ext cx="5468668" cy="4890218"/>
+          </a:xfrm>
+          <a:prstGeom prst="rect">
+            <a:avLst/>
+          </a:prstGeom>
+          <a:noFill/>
+          <a:extLst>
+            <a:ext uri="{909E8E84-426E-40DD-AFC4-6F175D3DCCD1}">
+              <a14:hiddenFill xmlns:a14="http://schemas.microsoft.com/office/drawing/2010/main">
+                <a:solidFill>
+                  <a:srgbClr val="FFFFFF"/>
+                </a:solidFill>
+              </a14:hiddenFill>
+            </a:ext>
+          </a:extLst>
+        </p:spPr>
+      </p:pic>
+    </p:spTree>
+    <p:extLst>
+      <p:ext uri="{BB962C8B-B14F-4D97-AF65-F5344CB8AC3E}">
+        <p14:creationId xmlns:p14="http://schemas.microsoft.com/office/powerpoint/2010/main" val="1712284984"/>
+      </p:ext>
+    </p:extLst>
+  </p:cSld>
+  <p:clrMapOvr>
+    <a:masterClrMapping/>
+  </p:clrMapOvr>
+</p:sld>
+</file>
+
 <file path=ppt/slides/slide8.xml><?xml version="1.0" encoding="utf-8"?>
 <p:sld xmlns:a="http://schemas.openxmlformats.org/drawingml/2006/main" xmlns:r="http://schemas.openxmlformats.org/officeDocument/2006/relationships" xmlns:p="http://schemas.openxmlformats.org/presentationml/2006/main">
   <p:cSld>
@@ -7942,12 +8264,30 @@
         </p:nvSpPr>
         <p:spPr/>
         <p:txBody>
-          <a:bodyPr/>
-          <a:lstStyle/>
-          <a:p>
+          <a:bodyPr>
+            <a:normAutofit/>
+          </a:bodyPr>
+          <a:lstStyle/>
+          <a:p>
+            <a:r>
+              <a:rPr lang="en-US" dirty="0" err="1"/>
+              <a:t>Neuronales</a:t>
+            </a:r>
             <a:r>
               <a:rPr lang="en-US" dirty="0"/>
-              <a:t>Leon</a:t>
+              <a:t> </a:t>
+            </a:r>
+            <a:r>
+              <a:rPr lang="en-US" dirty="0" err="1"/>
+              <a:t>Netz</a:t>
+            </a:r>
+            <a:r>
+              <a:rPr lang="en-US" dirty="0"/>
+              <a:t> - </a:t>
+            </a:r>
+            <a:r>
+              <a:rPr lang="en-US" dirty="0" err="1"/>
+              <a:t>Ergebnisse</a:t>
             </a:r>
             <a:endParaRPr lang="de-DE" dirty="0"/>
           </a:p>
@@ -7981,373 +8321,113 @@
           </a:bodyPr>
           <a:lstStyle/>
           <a:p>
-            <a:pPr marL="0" indent="0">
+            <a:pPr marL="457200" lvl="1" indent="0" algn="ctr">
               <a:buNone/>
             </a:pPr>
+            <a:r>
+              <a:rPr lang="de-DE" dirty="0" err="1">
+                <a:latin typeface="Courier New" panose="02070309020205020404" pitchFamily="49" charset="0"/>
+                <a:cs typeface="Courier New" panose="02070309020205020404" pitchFamily="49" charset="0"/>
+              </a:rPr>
+              <a:t>test_melodic_sustained.wav</a:t>
+            </a:r>
+            <a:endParaRPr lang="de-DE" dirty="0">
+              <a:latin typeface="Courier New" panose="02070309020205020404" pitchFamily="49" charset="0"/>
+              <a:cs typeface="Courier New" panose="02070309020205020404" pitchFamily="49" charset="0"/>
+            </a:endParaRPr>
+          </a:p>
+          <a:p>
+            <a:pPr lvl="1" algn="ctr"/>
             <a:endParaRPr lang="de-DE" dirty="0"/>
           </a:p>
           <a:p>
+            <a:pPr lvl="1" algn="ctr"/>
             <a:endParaRPr lang="de-DE" dirty="0"/>
           </a:p>
-        </p:txBody>
-      </p:sp>
-      <p:graphicFrame>
-        <p:nvGraphicFramePr>
-          <p:cNvPr id="4" name="Tabelle 3">
-            <a:extLst>
-              <a:ext uri="{FF2B5EF4-FFF2-40B4-BE49-F238E27FC236}">
-                <a16:creationId xmlns:a16="http://schemas.microsoft.com/office/drawing/2014/main" id="{F517B8E2-0AEE-0C96-D5CE-453E353C7DC3}"/>
-              </a:ext>
-            </a:extLst>
-          </p:cNvPr>
-          <p:cNvGraphicFramePr>
-            <a:graphicFrameLocks noGrp="1"/>
-          </p:cNvGraphicFramePr>
+          <a:p>
+            <a:pPr algn="ctr"/>
+            <a:endParaRPr lang="de-DE" dirty="0"/>
+          </a:p>
+          <a:p>
+            <a:pPr lvl="1" algn="ctr"/>
+            <a:endParaRPr lang="de-DE" dirty="0"/>
+          </a:p>
+          <a:p>
+            <a:pPr lvl="1" algn="ctr"/>
+            <a:endParaRPr lang="de-DE" dirty="0"/>
+          </a:p>
+          <a:p>
+            <a:pPr algn="ctr"/>
+            <a:endParaRPr lang="de-DE" dirty="0"/>
+          </a:p>
+        </p:txBody>
+      </p:sp>
+      <p:sp>
+        <p:nvSpPr>
+          <p:cNvPr id="2" name="Textfeld 1">
+            <a:extLst>
+              <a:ext uri="{FF2B5EF4-FFF2-40B4-BE49-F238E27FC236}">
+                <a16:creationId xmlns:a16="http://schemas.microsoft.com/office/drawing/2014/main" id="{1E877FBE-FD81-8292-9E60-8173DA0CFC19}"/>
+              </a:ext>
+            </a:extLst>
+          </p:cNvPr>
+          <p:cNvSpPr txBox="1"/>
           <p:nvPr/>
-        </p:nvGraphicFramePr>
-        <p:xfrm>
-          <a:off x="838200" y="1825625"/>
-          <a:ext cx="3505199" cy="4588577"/>
-        </p:xfrm>
-        <a:graphic>
-          <a:graphicData uri="http://schemas.openxmlformats.org/drawingml/2006/table">
-            <a:tbl>
-              <a:tblPr firstRow="1" bandRow="1">
-                <a:effectLst/>
-                <a:tableStyleId>{5C22544A-7EE6-4342-B048-85BDC9FD1C3A}</a:tableStyleId>
-              </a:tblPr>
-              <a:tblGrid>
-                <a:gridCol w="3505199">
-                  <a:extLst>
-                    <a:ext uri="{9D8B030D-6E8A-4147-A177-3AD203B41FA5}">
-                      <a16:colId xmlns:a16="http://schemas.microsoft.com/office/drawing/2014/main" val="2612688514"/>
-                    </a:ext>
-                  </a:extLst>
-                </a:gridCol>
-              </a:tblGrid>
-              <a:tr h="1144337">
-                <a:tc>
-                  <a:txBody>
-                    <a:bodyPr/>
-                    <a:lstStyle/>
-                    <a:p>
-                      <a:pPr marL="0" marR="0" lvl="0" indent="0" algn="ctr" defTabSz="914400" rtl="0" eaLnBrk="1" fontAlgn="auto" latinLnBrk="0" hangingPunct="1">
-                        <a:lnSpc>
-                          <a:spcPct val="100000"/>
-                        </a:lnSpc>
-                        <a:spcBef>
-                          <a:spcPts val="0"/>
-                        </a:spcBef>
-                        <a:spcAft>
-                          <a:spcPts val="0"/>
-                        </a:spcAft>
-                        <a:buClrTx/>
-                        <a:buSzTx/>
-                        <a:buFontTx/>
-                        <a:buNone/>
-                        <a:tabLst/>
-                        <a:defRPr/>
-                      </a:pPr>
-                      <a:r>
-                        <a:rPr lang="en-US" sz="2000" dirty="0">
-                          <a:solidFill>
-                            <a:schemeClr val="tx1">
-                              <a:lumMod val="85000"/>
-                              <a:lumOff val="15000"/>
-                            </a:schemeClr>
-                          </a:solidFill>
-                          <a:effectLst/>
-                          <a:latin typeface="Tenorite" panose="00000500000000000000" pitchFamily="2" charset="0"/>
-                        </a:rPr>
-                        <a:t>Leon </a:t>
-                      </a:r>
-                      <a:br>
-                        <a:rPr lang="en-US" sz="2000" dirty="0">
-                          <a:solidFill>
-                            <a:schemeClr val="tx1">
-                              <a:lumMod val="85000"/>
-                              <a:lumOff val="15000"/>
-                            </a:schemeClr>
-                          </a:solidFill>
-                          <a:effectLst/>
-                          <a:latin typeface="Tenorite" panose="00000500000000000000" pitchFamily="2" charset="0"/>
-                        </a:rPr>
-                      </a:br>
-                      <a:r>
-                        <a:rPr lang="de-DE" sz="2000" b="0" i="1" kern="1200" dirty="0">
-                          <a:solidFill>
-                            <a:schemeClr val="dk1"/>
-                          </a:solidFill>
-                          <a:effectLst/>
-                          <a:latin typeface="Tenorite" panose="00000500000000000000" pitchFamily="2" charset="0"/>
-                          <a:ea typeface="+mn-ea"/>
-                          <a:cs typeface="+mn-cs"/>
-                        </a:rPr>
-                        <a:t>Neuronal Navigator</a:t>
-                      </a:r>
-                    </a:p>
-                    <a:p>
-                      <a:pPr algn="ctr"/>
-                      <a:endParaRPr lang="de-DE" sz="2000" dirty="0">
-                        <a:solidFill>
-                          <a:schemeClr val="tx1">
-                            <a:lumMod val="85000"/>
-                            <a:lumOff val="15000"/>
-                          </a:schemeClr>
-                        </a:solidFill>
-                        <a:effectLst/>
-                        <a:latin typeface="Tenorite" panose="00000500000000000000" pitchFamily="2" charset="0"/>
-                      </a:endParaRPr>
-                    </a:p>
-                  </a:txBody>
-                  <a:tcPr>
-                    <a:lnL w="12700" cap="flat" cmpd="sng" algn="ctr">
-                      <a:noFill/>
-                      <a:prstDash val="solid"/>
-                      <a:round/>
-                      <a:headEnd type="none" w="med" len="med"/>
-                      <a:tailEnd type="none" w="med" len="med"/>
-                    </a:lnL>
-                    <a:lnR w="12700" cap="flat" cmpd="sng" algn="ctr">
-                      <a:noFill/>
-                      <a:prstDash val="solid"/>
-                      <a:round/>
-                      <a:headEnd type="none" w="med" len="med"/>
-                      <a:tailEnd type="none" w="med" len="med"/>
-                    </a:lnR>
-                    <a:lnT w="12700" cap="flat" cmpd="sng" algn="ctr">
-                      <a:noFill/>
-                      <a:prstDash val="solid"/>
-                      <a:round/>
-                      <a:headEnd type="none" w="med" len="med"/>
-                      <a:tailEnd type="none" w="med" len="med"/>
-                    </a:lnT>
-                    <a:lnB w="12700" cap="flat" cmpd="sng" algn="ctr">
-                      <a:noFill/>
-                      <a:prstDash val="solid"/>
-                      <a:round/>
-                      <a:headEnd type="none" w="med" len="med"/>
-                      <a:tailEnd type="none" w="med" len="med"/>
-                    </a:lnB>
-                    <a:lnTlToBr w="12700" cmpd="sng">
-                      <a:noFill/>
-                      <a:prstDash val="solid"/>
-                    </a:lnTlToBr>
-                    <a:lnBlToTr w="12700" cmpd="sng">
-                      <a:noFill/>
-                      <a:prstDash val="solid"/>
-                    </a:lnBlToTr>
-                    <a:noFill/>
-                  </a:tcPr>
-                </a:tc>
-                <a:extLst>
-                  <a:ext uri="{0D108BD9-81ED-4DB2-BD59-A6C34878D82A}">
-                    <a16:rowId xmlns:a16="http://schemas.microsoft.com/office/drawing/2014/main" val="2811866694"/>
-                  </a:ext>
-                </a:extLst>
-              </a:tr>
-              <a:tr h="3204143">
-                <a:tc>
-                  <a:txBody>
-                    <a:bodyPr/>
-                    <a:lstStyle/>
-                    <a:p>
-                      <a:pPr marL="285750" indent="-285750" algn="l">
-                        <a:buFontTx/>
-                        <a:buChar char="-"/>
-                      </a:pPr>
-                      <a:r>
-                        <a:rPr lang="de-DE" sz="2000" b="0" kern="1200" dirty="0">
-                          <a:solidFill>
-                            <a:schemeClr val="dk1"/>
-                          </a:solidFill>
-                          <a:effectLst/>
-                          <a:latin typeface="Tenorite" panose="00000500000000000000" pitchFamily="2" charset="0"/>
-                          <a:ea typeface="+mn-ea"/>
-                          <a:cs typeface="+mn-cs"/>
-                        </a:rPr>
-                        <a:t>Neuronales Netz Topologie entwickeln</a:t>
-                      </a:r>
-                    </a:p>
-                    <a:p>
-                      <a:pPr marL="285750" indent="-285750" algn="l">
-                        <a:buFontTx/>
-                        <a:buChar char="-"/>
-                      </a:pPr>
-                      <a:r>
-                        <a:rPr lang="de-DE" sz="2000" b="0" kern="1200" dirty="0">
-                          <a:solidFill>
-                            <a:schemeClr val="dk1"/>
-                          </a:solidFill>
-                          <a:effectLst/>
-                          <a:latin typeface="Tenorite" panose="00000500000000000000" pitchFamily="2" charset="0"/>
-                          <a:ea typeface="+mn-ea"/>
-                          <a:cs typeface="+mn-cs"/>
-                        </a:rPr>
-                        <a:t>NN Trainieren und Anpassen</a:t>
-                      </a:r>
-                    </a:p>
-                    <a:p>
-                      <a:pPr marL="285750" marR="0" lvl="0" indent="-285750" algn="l" defTabSz="914400" rtl="0" eaLnBrk="1" fontAlgn="auto" latinLnBrk="0" hangingPunct="1">
-                        <a:lnSpc>
-                          <a:spcPct val="100000"/>
-                        </a:lnSpc>
-                        <a:spcBef>
-                          <a:spcPts val="0"/>
-                        </a:spcBef>
-                        <a:spcAft>
-                          <a:spcPts val="0"/>
-                        </a:spcAft>
-                        <a:buClrTx/>
-                        <a:buSzTx/>
-                        <a:buFontTx/>
-                        <a:buChar char="-"/>
-                        <a:tabLst/>
-                        <a:defRPr/>
-                      </a:pPr>
-                      <a:r>
-                        <a:rPr lang="de-DE" sz="2000" b="0" kern="1200" dirty="0">
-                          <a:solidFill>
-                            <a:schemeClr val="dk1"/>
-                          </a:solidFill>
-                          <a:effectLst/>
-                          <a:latin typeface="Tenorite" panose="00000500000000000000" pitchFamily="2" charset="0"/>
-                          <a:ea typeface="+mn-ea"/>
-                          <a:cs typeface="+mn-cs"/>
-                        </a:rPr>
-                        <a:t>Portierung für STM32CubeAI</a:t>
-                      </a:r>
-                    </a:p>
-                    <a:p>
-                      <a:pPr marL="285750" marR="0" lvl="0" indent="-285750" algn="l" defTabSz="914400" rtl="0" eaLnBrk="1" fontAlgn="auto" latinLnBrk="0" hangingPunct="1">
-                        <a:lnSpc>
-                          <a:spcPct val="100000"/>
-                        </a:lnSpc>
-                        <a:spcBef>
-                          <a:spcPts val="0"/>
-                        </a:spcBef>
-                        <a:spcAft>
-                          <a:spcPts val="0"/>
-                        </a:spcAft>
-                        <a:buClrTx/>
-                        <a:buSzTx/>
-                        <a:buFontTx/>
-                        <a:buChar char="-"/>
-                        <a:tabLst/>
-                        <a:defRPr/>
-                      </a:pPr>
-                      <a:r>
-                        <a:rPr lang="de-DE" sz="2000" b="0" kern="1200" dirty="0">
-                          <a:solidFill>
-                            <a:schemeClr val="dk1"/>
-                          </a:solidFill>
-                          <a:effectLst/>
-                          <a:latin typeface="Tenorite" panose="00000500000000000000" pitchFamily="2" charset="0"/>
-                          <a:ea typeface="+mn-ea"/>
-                          <a:cs typeface="+mn-cs"/>
-                        </a:rPr>
-                        <a:t>Algorithmus - Spektrogramm aus Audio Datei erstellen</a:t>
-                      </a:r>
-                    </a:p>
-                    <a:p>
-                      <a:pPr marL="285750" marR="0" lvl="0" indent="-285750" algn="l" defTabSz="914400" rtl="0" eaLnBrk="1" fontAlgn="auto" latinLnBrk="0" hangingPunct="1">
-                        <a:lnSpc>
-                          <a:spcPct val="100000"/>
-                        </a:lnSpc>
-                        <a:spcBef>
-                          <a:spcPts val="0"/>
-                        </a:spcBef>
-                        <a:spcAft>
-                          <a:spcPts val="0"/>
-                        </a:spcAft>
-                        <a:buClrTx/>
-                        <a:buSzTx/>
-                        <a:buFontTx/>
-                        <a:buChar char="-"/>
-                        <a:tabLst/>
-                        <a:defRPr/>
-                      </a:pPr>
-                      <a:r>
-                        <a:rPr lang="de-DE" sz="2000" b="0" kern="1200" dirty="0">
-                          <a:solidFill>
-                            <a:schemeClr val="dk1"/>
-                          </a:solidFill>
-                          <a:effectLst/>
-                          <a:latin typeface="Tenorite" panose="00000500000000000000" pitchFamily="2" charset="0"/>
-                          <a:ea typeface="+mn-ea"/>
-                          <a:cs typeface="+mn-cs"/>
-                        </a:rPr>
-                        <a:t>LED Master</a:t>
-                      </a:r>
-                    </a:p>
-                    <a:p>
-                      <a:pPr algn="l"/>
-                      <a:endParaRPr lang="de-DE" sz="2000" dirty="0">
-                        <a:solidFill>
-                          <a:schemeClr val="tx1">
-                            <a:lumMod val="85000"/>
-                            <a:lumOff val="15000"/>
-                          </a:schemeClr>
-                        </a:solidFill>
-                        <a:effectLst/>
-                        <a:latin typeface="Tenorite" panose="00000500000000000000" pitchFamily="2" charset="0"/>
-                      </a:endParaRPr>
-                    </a:p>
-                  </a:txBody>
-                  <a:tcPr>
-                    <a:lnL w="12700" cap="flat" cmpd="sng" algn="ctr">
-                      <a:noFill/>
-                      <a:prstDash val="solid"/>
-                      <a:round/>
-                      <a:headEnd type="none" w="med" len="med"/>
-                      <a:tailEnd type="none" w="med" len="med"/>
-                    </a:lnL>
-                    <a:lnR w="12700" cap="flat" cmpd="sng" algn="ctr">
-                      <a:noFill/>
-                      <a:prstDash val="solid"/>
-                      <a:round/>
-                      <a:headEnd type="none" w="med" len="med"/>
-                      <a:tailEnd type="none" w="med" len="med"/>
-                    </a:lnR>
-                    <a:lnT w="12700" cap="flat" cmpd="sng" algn="ctr">
-                      <a:noFill/>
-                      <a:prstDash val="solid"/>
-                      <a:round/>
-                      <a:headEnd type="none" w="med" len="med"/>
-                      <a:tailEnd type="none" w="med" len="med"/>
-                    </a:lnT>
-                    <a:lnB w="12700" cap="flat" cmpd="sng" algn="ctr">
-                      <a:noFill/>
-                      <a:prstDash val="solid"/>
-                      <a:round/>
-                      <a:headEnd type="none" w="med" len="med"/>
-                      <a:tailEnd type="none" w="med" len="med"/>
-                    </a:lnB>
-                    <a:lnTlToBr w="12700" cmpd="sng">
-                      <a:noFill/>
-                      <a:prstDash val="solid"/>
-                    </a:lnTlToBr>
-                    <a:lnBlToTr w="12700" cmpd="sng">
-                      <a:noFill/>
-                      <a:prstDash val="solid"/>
-                    </a:lnBlToTr>
-                    <a:noFill/>
-                  </a:tcPr>
-                </a:tc>
-                <a:extLst>
-                  <a:ext uri="{0D108BD9-81ED-4DB2-BD59-A6C34878D82A}">
-                    <a16:rowId xmlns:a16="http://schemas.microsoft.com/office/drawing/2014/main" val="3505038299"/>
-                  </a:ext>
-                </a:extLst>
-              </a:tr>
-            </a:tbl>
-          </a:graphicData>
-        </a:graphic>
-      </p:graphicFrame>
+        </p:nvSpPr>
+        <p:spPr>
+          <a:xfrm>
+            <a:off x="2708694" y="3053751"/>
+            <a:ext cx="184731" cy="369332"/>
+          </a:xfrm>
+          <a:prstGeom prst="rect">
+            <a:avLst/>
+          </a:prstGeom>
+          <a:noFill/>
+        </p:spPr>
+        <p:txBody>
+          <a:bodyPr wrap="none" rtlCol="0">
+            <a:spAutoFit/>
+          </a:bodyPr>
+          <a:lstStyle/>
+          <a:p>
+            <a:endParaRPr lang="de-DE" dirty="0"/>
+          </a:p>
+        </p:txBody>
+      </p:sp>
+      <p:pic>
+        <p:nvPicPr>
+          <p:cNvPr id="4" name="Grafik 3">
+            <a:extLst>
+              <a:ext uri="{FF2B5EF4-FFF2-40B4-BE49-F238E27FC236}">
+                <a16:creationId xmlns:a16="http://schemas.microsoft.com/office/drawing/2014/main" id="{DF960A05-156D-7535-FD26-8128F77F02B3}"/>
+              </a:ext>
+            </a:extLst>
+          </p:cNvPr>
+          <p:cNvPicPr>
+            <a:picLocks noChangeAspect="1"/>
+          </p:cNvPicPr>
+          <p:nvPr/>
+        </p:nvPicPr>
+        <p:blipFill>
+          <a:blip r:embed="rId3"/>
+          <a:stretch>
+            <a:fillRect/>
+          </a:stretch>
+        </p:blipFill>
+        <p:spPr>
+          <a:xfrm>
+            <a:off x="3154147" y="2773083"/>
+            <a:ext cx="5883706" cy="2391331"/>
+          </a:xfrm>
+          <a:prstGeom prst="rect">
+            <a:avLst/>
+          </a:prstGeom>
+        </p:spPr>
+      </p:pic>
     </p:spTree>
     <p:extLst>
       <p:ext uri="{BB962C8B-B14F-4D97-AF65-F5344CB8AC3E}">
-        <p14:creationId xmlns:p14="http://schemas.microsoft.com/office/powerpoint/2010/main" val="71417493"/>
+        <p14:creationId xmlns:p14="http://schemas.microsoft.com/office/powerpoint/2010/main" val="145665917"/>
       </p:ext>
     </p:extLst>
   </p:cSld>
@@ -8392,12 +8472,30 @@
         </p:nvSpPr>
         <p:spPr/>
         <p:txBody>
-          <a:bodyPr/>
+          <a:bodyPr>
+            <a:normAutofit/>
+          </a:bodyPr>
           <a:lstStyle/>
           <a:p>
             <a:r>
               <a:rPr lang="en-US" dirty="0" err="1"/>
-              <a:t>Fazit</a:t>
+              <a:t>Neuronales</a:t>
+            </a:r>
+            <a:r>
+              <a:rPr lang="en-US" dirty="0"/>
+              <a:t> </a:t>
+            </a:r>
+            <a:r>
+              <a:rPr lang="en-US" dirty="0" err="1"/>
+              <a:t>Netz</a:t>
+            </a:r>
+            <a:r>
+              <a:rPr lang="en-US" dirty="0"/>
+              <a:t> - </a:t>
+            </a:r>
+            <a:r>
+              <a:rPr lang="en-US" dirty="0" err="1"/>
+              <a:t>Ergebnisse</a:t>
             </a:r>
             <a:endParaRPr lang="de-DE" dirty="0"/>
           </a:p>
@@ -8431,52 +8529,113 @@
           </a:bodyPr>
           <a:lstStyle/>
           <a:p>
-            <a:r>
-              <a:rPr lang="de-DE" dirty="0"/>
-              <a:t>Zu viel vorgenommen, Anforderungen konnten nur zum Teil umgesetzt werden</a:t>
-            </a:r>
-          </a:p>
-          <a:p>
-            <a:r>
-              <a:rPr lang="de-DE" dirty="0"/>
-              <a:t>Einarbeitung in neue Technologien hat viel Zeitaufwand benötigt</a:t>
-            </a:r>
-          </a:p>
-          <a:p>
-            <a:r>
-              <a:rPr lang="de-DE" dirty="0"/>
-              <a:t>Aber: Viel Erfahrung gesammelt und Kenntnisse angeeignet</a:t>
-            </a:r>
-          </a:p>
-          <a:p>
-            <a:r>
-              <a:rPr lang="de-DE" dirty="0"/>
-              <a:t>Wertvolle Einblicke in </a:t>
-            </a:r>
-            <a:r>
-              <a:rPr lang="de-DE" dirty="0" err="1"/>
-              <a:t>Cube.AI</a:t>
-            </a:r>
-            <a:r>
-              <a:rPr lang="de-DE" dirty="0"/>
-              <a:t> bekommen (Leon)</a:t>
-            </a:r>
-          </a:p>
-          <a:p>
-            <a:r>
-              <a:rPr lang="de-DE" dirty="0"/>
-              <a:t>(Trotz Endpräsentation Weiterarbeiten bis Abgabe der Projektdokumentation)</a:t>
-            </a:r>
-          </a:p>
-          <a:p>
+            <a:pPr marL="457200" lvl="1" indent="0" algn="ctr">
+              <a:buNone/>
+            </a:pPr>
+            <a:r>
+              <a:rPr lang="de-DE" dirty="0" err="1">
+                <a:latin typeface="Courier New" panose="02070309020205020404" pitchFamily="49" charset="0"/>
+                <a:cs typeface="Courier New" panose="02070309020205020404" pitchFamily="49" charset="0"/>
+              </a:rPr>
+              <a:t>test_rhythmic.wav</a:t>
+            </a:r>
+            <a:endParaRPr lang="de-DE" dirty="0">
+              <a:latin typeface="Courier New" panose="02070309020205020404" pitchFamily="49" charset="0"/>
+              <a:cs typeface="Courier New" panose="02070309020205020404" pitchFamily="49" charset="0"/>
+            </a:endParaRPr>
+          </a:p>
+          <a:p>
+            <a:pPr lvl="1" algn="ctr"/>
             <a:endParaRPr lang="de-DE" dirty="0"/>
           </a:p>
-        </p:txBody>
-      </p:sp>
+          <a:p>
+            <a:pPr lvl="1" algn="ctr"/>
+            <a:endParaRPr lang="de-DE" dirty="0"/>
+          </a:p>
+          <a:p>
+            <a:pPr algn="ctr"/>
+            <a:endParaRPr lang="de-DE" dirty="0"/>
+          </a:p>
+          <a:p>
+            <a:pPr lvl="1" algn="ctr"/>
+            <a:endParaRPr lang="de-DE" dirty="0"/>
+          </a:p>
+          <a:p>
+            <a:pPr lvl="1" algn="ctr"/>
+            <a:endParaRPr lang="de-DE" dirty="0"/>
+          </a:p>
+          <a:p>
+            <a:pPr algn="ctr"/>
+            <a:endParaRPr lang="de-DE" dirty="0"/>
+          </a:p>
+        </p:txBody>
+      </p:sp>
+      <p:sp>
+        <p:nvSpPr>
+          <p:cNvPr id="2" name="Textfeld 1">
+            <a:extLst>
+              <a:ext uri="{FF2B5EF4-FFF2-40B4-BE49-F238E27FC236}">
+                <a16:creationId xmlns:a16="http://schemas.microsoft.com/office/drawing/2014/main" id="{1E877FBE-FD81-8292-9E60-8173DA0CFC19}"/>
+              </a:ext>
+            </a:extLst>
+          </p:cNvPr>
+          <p:cNvSpPr txBox="1"/>
+          <p:nvPr/>
+        </p:nvSpPr>
+        <p:spPr>
+          <a:xfrm>
+            <a:off x="2708694" y="3053751"/>
+            <a:ext cx="184731" cy="369332"/>
+          </a:xfrm>
+          <a:prstGeom prst="rect">
+            <a:avLst/>
+          </a:prstGeom>
+          <a:noFill/>
+        </p:spPr>
+        <p:txBody>
+          <a:bodyPr wrap="none" rtlCol="0">
+            <a:spAutoFit/>
+          </a:bodyPr>
+          <a:lstStyle/>
+          <a:p>
+            <a:endParaRPr lang="de-DE" dirty="0"/>
+          </a:p>
+        </p:txBody>
+      </p:sp>
+      <p:pic>
+        <p:nvPicPr>
+          <p:cNvPr id="4" name="Grafik 3">
+            <a:extLst>
+              <a:ext uri="{FF2B5EF4-FFF2-40B4-BE49-F238E27FC236}">
+                <a16:creationId xmlns:a16="http://schemas.microsoft.com/office/drawing/2014/main" id="{DF960A05-156D-7535-FD26-8128F77F02B3}"/>
+              </a:ext>
+            </a:extLst>
+          </p:cNvPr>
+          <p:cNvPicPr>
+            <a:picLocks noChangeAspect="1"/>
+          </p:cNvPicPr>
+          <p:nvPr/>
+        </p:nvPicPr>
+        <p:blipFill>
+          <a:blip r:embed="rId3"/>
+          <a:stretch>
+            <a:fillRect/>
+          </a:stretch>
+        </p:blipFill>
+        <p:spPr>
+          <a:xfrm>
+            <a:off x="3154147" y="2773083"/>
+            <a:ext cx="5883706" cy="2391331"/>
+          </a:xfrm>
+          <a:prstGeom prst="rect">
+            <a:avLst/>
+          </a:prstGeom>
+        </p:spPr>
+      </p:pic>
     </p:spTree>
     <p:extLst>
       <p:ext uri="{BB962C8B-B14F-4D97-AF65-F5344CB8AC3E}">
-        <p14:creationId xmlns:p14="http://schemas.microsoft.com/office/powerpoint/2010/main" val="2604290361"/>
+        <p14:creationId xmlns:p14="http://schemas.microsoft.com/office/powerpoint/2010/main" val="2943698609"/>
       </p:ext>
     </p:extLst>
   </p:cSld>
